--- a/docs/diagrams/ModelComponentClassDiagram.pptx
+++ b/docs/diagrams/ModelComponentClassDiagram.pptx
@@ -10,7 +10,7 @@
   <p:sldIdLst>
     <p:sldId id="263" r:id="rId2"/>
   </p:sldIdLst>
-  <p:sldSz cx="9144000" cy="6858000" type="screen4x3"/>
+  <p:sldSz cx="12192000" cy="6858000"/>
   <p:notesSz cx="6858000" cy="9144000"/>
   <p:defaultTextStyle>
     <a:defPPr>
@@ -110,12 +110,12 @@
   <p:extLst>
     <p:ext uri="{EFAFB233-063F-42B5-8137-9DF3F51BA10A}">
       <p15:sldGuideLst xmlns:p15="http://schemas.microsoft.com/office/powerpoint/2012/main">
-        <p15:guide id="1" orient="horz" pos="1488">
+        <p15:guide id="1" orient="horz" pos="1488" userDrawn="1">
           <p15:clr>
             <a:srgbClr val="A4A3A4"/>
           </p15:clr>
         </p15:guide>
-        <p15:guide id="2" pos="2880">
+        <p15:guide id="2" pos="3840" userDrawn="1">
           <p15:clr>
             <a:srgbClr val="A4A3A4"/>
           </p15:clr>
@@ -208,7 +208,7 @@
           <a:p>
             <a:fld id="{F5CC4B3F-88C1-4FFA-B1B6-F41C21DC6924}" type="datetimeFigureOut">
               <a:rPr lang="en-US" smtClean="0"/>
-              <a:t>12/5/2018</a:t>
+              <a:t>2/26/2019</a:t>
             </a:fld>
             <a:endParaRPr lang="en-US"/>
           </a:p>
@@ -226,8 +226,8 @@
         </p:nvSpPr>
         <p:spPr>
           <a:xfrm>
-            <a:off x="1143000" y="685800"/>
-            <a:ext cx="4572000" cy="3429000"/>
+            <a:off x="381000" y="685800"/>
+            <a:ext cx="6096000" cy="3429000"/>
           </a:xfrm>
           <a:prstGeom prst="rect">
             <a:avLst/>
@@ -504,8 +504,8 @@
         </p:nvSpPr>
         <p:spPr>
           <a:xfrm>
-            <a:off x="685800" y="2130425"/>
-            <a:ext cx="7772400" cy="1470025"/>
+            <a:off x="914400" y="2130426"/>
+            <a:ext cx="10363200" cy="1470025"/>
           </a:xfrm>
         </p:spPr>
         <p:txBody>
@@ -531,8 +531,8 @@
         </p:nvSpPr>
         <p:spPr>
           <a:xfrm>
-            <a:off x="1371600" y="3886200"/>
-            <a:ext cx="6400800" cy="1752600"/>
+            <a:off x="1828800" y="3886200"/>
+            <a:ext cx="8534400" cy="1752600"/>
           </a:xfrm>
         </p:spPr>
         <p:txBody>
@@ -654,7 +654,7 @@
           <a:p>
             <a:fld id="{78C97017-6FC3-485B-9764-EAC9E56C1D49}" type="datetimeFigureOut">
               <a:rPr lang="en-US" smtClean="0"/>
-              <a:t>12/5/2018</a:t>
+              <a:t>2/26/2019</a:t>
             </a:fld>
             <a:endParaRPr lang="en-US"/>
           </a:p>
@@ -822,7 +822,7 @@
           <a:p>
             <a:fld id="{78C97017-6FC3-485B-9764-EAC9E56C1D49}" type="datetimeFigureOut">
               <a:rPr lang="en-US" smtClean="0"/>
-              <a:t>12/5/2018</a:t>
+              <a:t>2/26/2019</a:t>
             </a:fld>
             <a:endParaRPr lang="en-US"/>
           </a:p>
@@ -912,8 +912,8 @@
         </p:nvSpPr>
         <p:spPr>
           <a:xfrm>
-            <a:off x="6629400" y="274638"/>
-            <a:ext cx="2057400" cy="5851525"/>
+            <a:off x="8839200" y="274639"/>
+            <a:ext cx="2743200" cy="5851525"/>
           </a:xfrm>
         </p:spPr>
         <p:txBody>
@@ -939,8 +939,8 @@
         </p:nvSpPr>
         <p:spPr>
           <a:xfrm>
-            <a:off x="457200" y="274638"/>
-            <a:ext cx="6019800" cy="5851525"/>
+            <a:off x="609600" y="274639"/>
+            <a:ext cx="8026400" cy="5851525"/>
           </a:xfrm>
         </p:spPr>
         <p:txBody>
@@ -1000,7 +1000,7 @@
           <a:p>
             <a:fld id="{78C97017-6FC3-485B-9764-EAC9E56C1D49}" type="datetimeFigureOut">
               <a:rPr lang="en-US" smtClean="0"/>
-              <a:t>12/5/2018</a:t>
+              <a:t>2/26/2019</a:t>
             </a:fld>
             <a:endParaRPr lang="en-US"/>
           </a:p>
@@ -1168,7 +1168,7 @@
           <a:p>
             <a:fld id="{78C97017-6FC3-485B-9764-EAC9E56C1D49}" type="datetimeFigureOut">
               <a:rPr lang="en-US" smtClean="0"/>
-              <a:t>12/5/2018</a:t>
+              <a:t>2/26/2019</a:t>
             </a:fld>
             <a:endParaRPr lang="en-US"/>
           </a:p>
@@ -1258,8 +1258,8 @@
         </p:nvSpPr>
         <p:spPr>
           <a:xfrm>
-            <a:off x="722313" y="4406900"/>
-            <a:ext cx="7772400" cy="1362075"/>
+            <a:off x="963084" y="4406901"/>
+            <a:ext cx="10363200" cy="1362075"/>
           </a:xfrm>
         </p:spPr>
         <p:txBody>
@@ -1289,8 +1289,8 @@
         </p:nvSpPr>
         <p:spPr>
           <a:xfrm>
-            <a:off x="722313" y="2906713"/>
-            <a:ext cx="7772400" cy="1500187"/>
+            <a:off x="963084" y="2906713"/>
+            <a:ext cx="10363200" cy="1500187"/>
           </a:xfrm>
         </p:spPr>
         <p:txBody>
@@ -1413,7 +1413,7 @@
           <a:p>
             <a:fld id="{78C97017-6FC3-485B-9764-EAC9E56C1D49}" type="datetimeFigureOut">
               <a:rPr lang="en-US" smtClean="0"/>
-              <a:t>12/5/2018</a:t>
+              <a:t>2/26/2019</a:t>
             </a:fld>
             <a:endParaRPr lang="en-US"/>
           </a:p>
@@ -1525,8 +1525,8 @@
         </p:nvSpPr>
         <p:spPr>
           <a:xfrm>
-            <a:off x="457200" y="1600200"/>
-            <a:ext cx="4038600" cy="4525963"/>
+            <a:off x="609600" y="1600201"/>
+            <a:ext cx="5384800" cy="4525963"/>
           </a:xfrm>
         </p:spPr>
         <p:txBody>
@@ -1609,8 +1609,8 @@
         </p:nvSpPr>
         <p:spPr>
           <a:xfrm>
-            <a:off x="4648200" y="1600200"/>
-            <a:ext cx="4038600" cy="4525963"/>
+            <a:off x="6197600" y="1600201"/>
+            <a:ext cx="5384800" cy="4525963"/>
           </a:xfrm>
         </p:spPr>
         <p:txBody>
@@ -1698,7 +1698,7 @@
           <a:p>
             <a:fld id="{78C97017-6FC3-485B-9764-EAC9E56C1D49}" type="datetimeFigureOut">
               <a:rPr lang="en-US" smtClean="0"/>
-              <a:t>12/5/2018</a:t>
+              <a:t>2/26/2019</a:t>
             </a:fld>
             <a:endParaRPr lang="en-US"/>
           </a:p>
@@ -1814,8 +1814,8 @@
         </p:nvSpPr>
         <p:spPr>
           <a:xfrm>
-            <a:off x="457200" y="1535113"/>
-            <a:ext cx="4040188" cy="639762"/>
+            <a:off x="609600" y="1535113"/>
+            <a:ext cx="5386917" cy="639762"/>
           </a:xfrm>
         </p:spPr>
         <p:txBody>
@@ -1879,8 +1879,8 @@
         </p:nvSpPr>
         <p:spPr>
           <a:xfrm>
-            <a:off x="457200" y="2174875"/>
-            <a:ext cx="4040188" cy="3951288"/>
+            <a:off x="609600" y="2174875"/>
+            <a:ext cx="5386917" cy="3951288"/>
           </a:xfrm>
         </p:spPr>
         <p:txBody>
@@ -1963,8 +1963,8 @@
         </p:nvSpPr>
         <p:spPr>
           <a:xfrm>
-            <a:off x="4645025" y="1535113"/>
-            <a:ext cx="4041775" cy="639762"/>
+            <a:off x="6193368" y="1535113"/>
+            <a:ext cx="5389033" cy="639762"/>
           </a:xfrm>
         </p:spPr>
         <p:txBody>
@@ -2028,8 +2028,8 @@
         </p:nvSpPr>
         <p:spPr>
           <a:xfrm>
-            <a:off x="4645025" y="2174875"/>
-            <a:ext cx="4041775" cy="3951288"/>
+            <a:off x="6193368" y="2174875"/>
+            <a:ext cx="5389033" cy="3951288"/>
           </a:xfrm>
         </p:spPr>
         <p:txBody>
@@ -2117,7 +2117,7 @@
           <a:p>
             <a:fld id="{78C97017-6FC3-485B-9764-EAC9E56C1D49}" type="datetimeFigureOut">
               <a:rPr lang="en-US" smtClean="0"/>
-              <a:t>12/5/2018</a:t>
+              <a:t>2/26/2019</a:t>
             </a:fld>
             <a:endParaRPr lang="en-US"/>
           </a:p>
@@ -2234,7 +2234,7 @@
           <a:p>
             <a:fld id="{78C97017-6FC3-485B-9764-EAC9E56C1D49}" type="datetimeFigureOut">
               <a:rPr lang="en-US" smtClean="0"/>
-              <a:t>12/5/2018</a:t>
+              <a:t>2/26/2019</a:t>
             </a:fld>
             <a:endParaRPr lang="en-US"/>
           </a:p>
@@ -2329,7 +2329,7 @@
           <a:p>
             <a:fld id="{78C97017-6FC3-485B-9764-EAC9E56C1D49}" type="datetimeFigureOut">
               <a:rPr lang="en-US" smtClean="0"/>
-              <a:t>12/5/2018</a:t>
+              <a:t>2/26/2019</a:t>
             </a:fld>
             <a:endParaRPr lang="en-US"/>
           </a:p>
@@ -2419,8 +2419,8 @@
         </p:nvSpPr>
         <p:spPr>
           <a:xfrm>
-            <a:off x="457200" y="273050"/>
-            <a:ext cx="3008313" cy="1162050"/>
+            <a:off x="609601" y="273050"/>
+            <a:ext cx="4011084" cy="1162050"/>
           </a:xfrm>
         </p:spPr>
         <p:txBody>
@@ -2450,8 +2450,8 @@
         </p:nvSpPr>
         <p:spPr>
           <a:xfrm>
-            <a:off x="3575050" y="273050"/>
-            <a:ext cx="5111750" cy="5853113"/>
+            <a:off x="4766733" y="273051"/>
+            <a:ext cx="6815667" cy="5853113"/>
           </a:xfrm>
         </p:spPr>
         <p:txBody>
@@ -2534,8 +2534,8 @@
         </p:nvSpPr>
         <p:spPr>
           <a:xfrm>
-            <a:off x="457200" y="1435100"/>
-            <a:ext cx="3008313" cy="4691063"/>
+            <a:off x="609601" y="1435101"/>
+            <a:ext cx="4011084" cy="4691063"/>
           </a:xfrm>
         </p:spPr>
         <p:txBody>
@@ -2604,7 +2604,7 @@
           <a:p>
             <a:fld id="{78C97017-6FC3-485B-9764-EAC9E56C1D49}" type="datetimeFigureOut">
               <a:rPr lang="en-US" smtClean="0"/>
-              <a:t>12/5/2018</a:t>
+              <a:t>2/26/2019</a:t>
             </a:fld>
             <a:endParaRPr lang="en-US"/>
           </a:p>
@@ -2694,8 +2694,8 @@
         </p:nvSpPr>
         <p:spPr>
           <a:xfrm>
-            <a:off x="1792288" y="4800600"/>
-            <a:ext cx="5486400" cy="566738"/>
+            <a:off x="2389717" y="4800600"/>
+            <a:ext cx="7315200" cy="566738"/>
           </a:xfrm>
         </p:spPr>
         <p:txBody>
@@ -2725,8 +2725,8 @@
         </p:nvSpPr>
         <p:spPr>
           <a:xfrm>
-            <a:off x="1792288" y="612775"/>
-            <a:ext cx="5486400" cy="4114800"/>
+            <a:off x="2389717" y="612775"/>
+            <a:ext cx="7315200" cy="4114800"/>
           </a:xfrm>
         </p:spPr>
         <p:txBody>
@@ -2786,8 +2786,8 @@
         </p:nvSpPr>
         <p:spPr>
           <a:xfrm>
-            <a:off x="1792288" y="5367338"/>
-            <a:ext cx="5486400" cy="804862"/>
+            <a:off x="2389717" y="5367338"/>
+            <a:ext cx="7315200" cy="804862"/>
           </a:xfrm>
         </p:spPr>
         <p:txBody>
@@ -2856,7 +2856,7 @@
           <a:p>
             <a:fld id="{78C97017-6FC3-485B-9764-EAC9E56C1D49}" type="datetimeFigureOut">
               <a:rPr lang="en-US" smtClean="0"/>
-              <a:t>12/5/2018</a:t>
+              <a:t>2/26/2019</a:t>
             </a:fld>
             <a:endParaRPr lang="en-US"/>
           </a:p>
@@ -2951,8 +2951,8 @@
         </p:nvSpPr>
         <p:spPr>
           <a:xfrm>
-            <a:off x="457200" y="274638"/>
-            <a:ext cx="8229600" cy="1143000"/>
+            <a:off x="609600" y="274638"/>
+            <a:ext cx="10972800" cy="1143000"/>
           </a:xfrm>
           <a:prstGeom prst="rect">
             <a:avLst/>
@@ -2983,8 +2983,8 @@
         </p:nvSpPr>
         <p:spPr>
           <a:xfrm>
-            <a:off x="457200" y="1600200"/>
-            <a:ext cx="8229600" cy="4525963"/>
+            <a:off x="609600" y="1600201"/>
+            <a:ext cx="10972800" cy="4525963"/>
           </a:xfrm>
           <a:prstGeom prst="rect">
             <a:avLst/>
@@ -3044,8 +3044,8 @@
         </p:nvSpPr>
         <p:spPr>
           <a:xfrm>
-            <a:off x="457200" y="6356350"/>
-            <a:ext cx="2133600" cy="365125"/>
+            <a:off x="609600" y="6356351"/>
+            <a:ext cx="2844800" cy="365125"/>
           </a:xfrm>
           <a:prstGeom prst="rect">
             <a:avLst/>
@@ -3067,7 +3067,7 @@
           <a:p>
             <a:fld id="{78C97017-6FC3-485B-9764-EAC9E56C1D49}" type="datetimeFigureOut">
               <a:rPr lang="en-US" smtClean="0"/>
-              <a:t>12/5/2018</a:t>
+              <a:t>2/26/2019</a:t>
             </a:fld>
             <a:endParaRPr lang="en-US"/>
           </a:p>
@@ -3085,8 +3085,8 @@
         </p:nvSpPr>
         <p:spPr>
           <a:xfrm>
-            <a:off x="3124200" y="6356350"/>
-            <a:ext cx="2895600" cy="365125"/>
+            <a:off x="4165600" y="6356351"/>
+            <a:ext cx="3860800" cy="365125"/>
           </a:xfrm>
           <a:prstGeom prst="rect">
             <a:avLst/>
@@ -3122,8 +3122,8 @@
         </p:nvSpPr>
         <p:spPr>
           <a:xfrm>
-            <a:off x="6553200" y="6356350"/>
-            <a:ext cx="2133600" cy="365125"/>
+            <a:off x="8737600" y="6356351"/>
+            <a:ext cx="2844800" cy="365125"/>
           </a:xfrm>
           <a:prstGeom prst="rect">
             <a:avLst/>
@@ -3442,2384 +3442,2406 @@
           <a:chExt cx="0" cy="0"/>
         </a:xfrm>
       </p:grpSpPr>
-      <p:sp>
-        <p:nvSpPr>
-          <p:cNvPr id="118" name="Rectangle 65"/>
-          <p:cNvSpPr/>
+      <p:grpSp>
+        <p:nvGrpSpPr>
+          <p:cNvPr id="3" name="Group 2">
+            <a:extLst>
+              <a:ext uri="{FF2B5EF4-FFF2-40B4-BE49-F238E27FC236}">
+                <a16:creationId xmlns:a16="http://schemas.microsoft.com/office/drawing/2014/main" id="{0ABF031D-5A30-4DBD-BEB9-6EC7D2E9F909}"/>
+              </a:ext>
+            </a:extLst>
+          </p:cNvPr>
+          <p:cNvGrpSpPr/>
           <p:nvPr/>
-        </p:nvSpPr>
-        <p:spPr>
+        </p:nvGrpSpPr>
+        <p:grpSpPr>
           <a:xfrm>
-            <a:off x="1119865" y="1600200"/>
-            <a:ext cx="7490735" cy="3124200"/>
+            <a:off x="2434091" y="1600200"/>
+            <a:ext cx="7723644" cy="3124200"/>
+            <a:chOff x="910091" y="1600200"/>
+            <a:chExt cx="7723644" cy="3124200"/>
           </a:xfrm>
-          <a:prstGeom prst="roundRect">
-            <a:avLst>
-              <a:gd name="adj" fmla="val 3484"/>
-            </a:avLst>
-          </a:prstGeom>
-          <a:solidFill>
-            <a:schemeClr val="accent4">
-              <a:lumMod val="20000"/>
-              <a:lumOff val="80000"/>
-            </a:schemeClr>
-          </a:solidFill>
-          <a:ln w="19050">
-            <a:noFill/>
-          </a:ln>
-          <a:effectLst/>
-        </p:spPr>
-        <p:style>
-          <a:lnRef idx="1">
-            <a:schemeClr val="accent2"/>
-          </a:lnRef>
-          <a:fillRef idx="2">
-            <a:schemeClr val="accent2"/>
-          </a:fillRef>
-          <a:effectRef idx="1">
-            <a:schemeClr val="accent2"/>
-          </a:effectRef>
-          <a:fontRef idx="minor">
-            <a:schemeClr val="dk1"/>
-          </a:fontRef>
-        </p:style>
-        <p:txBody>
-          <a:bodyPr rtlCol="0" anchor="t"/>
-          <a:lstStyle/>
-          <a:p>
-            <a:r>
-              <a:rPr lang="en-US" sz="1200" b="1" dirty="0">
+        </p:grpSpPr>
+        <p:sp>
+          <p:nvSpPr>
+            <p:cNvPr id="118" name="Rectangle 65"/>
+            <p:cNvSpPr/>
+            <p:nvPr/>
+          </p:nvSpPr>
+          <p:spPr>
+            <a:xfrm>
+              <a:off x="1143000" y="1600200"/>
+              <a:ext cx="7490735" cy="3124200"/>
+            </a:xfrm>
+            <a:prstGeom prst="roundRect">
+              <a:avLst>
+                <a:gd name="adj" fmla="val 3484"/>
+              </a:avLst>
+            </a:prstGeom>
+            <a:solidFill>
+              <a:schemeClr val="accent4">
+                <a:lumMod val="20000"/>
+                <a:lumOff val="80000"/>
+              </a:schemeClr>
+            </a:solidFill>
+            <a:ln w="19050">
+              <a:noFill/>
+            </a:ln>
+            <a:effectLst/>
+          </p:spPr>
+          <p:style>
+            <a:lnRef idx="1">
+              <a:schemeClr val="accent2"/>
+            </a:lnRef>
+            <a:fillRef idx="2">
+              <a:schemeClr val="accent2"/>
+            </a:fillRef>
+            <a:effectRef idx="1">
+              <a:schemeClr val="accent2"/>
+            </a:effectRef>
+            <a:fontRef idx="minor">
+              <a:schemeClr val="dk1"/>
+            </a:fontRef>
+          </p:style>
+          <p:txBody>
+            <a:bodyPr rtlCol="0" anchor="t"/>
+            <a:lstStyle/>
+            <a:p>
+              <a:r>
+                <a:rPr lang="en-US" sz="1200" b="1" dirty="0">
+                  <a:solidFill>
+                    <a:srgbClr val="7030A0"/>
+                  </a:solidFill>
+                </a:rPr>
+                <a:t>Model</a:t>
+              </a:r>
+              <a:endParaRPr lang="en-SG" sz="1200" b="1" dirty="0">
                 <a:solidFill>
                   <a:srgbClr val="7030A0"/>
                 </a:solidFill>
-              </a:rPr>
-              <a:t>Model</a:t>
-            </a:r>
-            <a:endParaRPr lang="en-SG" sz="1200" b="1" dirty="0">
+              </a:endParaRPr>
+            </a:p>
+          </p:txBody>
+        </p:sp>
+        <p:sp>
+          <p:nvSpPr>
+            <p:cNvPr id="2" name="Rectangle 8"/>
+            <p:cNvSpPr/>
+            <p:nvPr/>
+          </p:nvSpPr>
+          <p:spPr>
+            <a:xfrm>
+              <a:off x="2825280" y="3463240"/>
+              <a:ext cx="878211" cy="346760"/>
+            </a:xfrm>
+            <a:prstGeom prst="rect">
+              <a:avLst/>
+            </a:prstGeom>
+            <a:ln w="19050">
               <a:solidFill>
                 <a:srgbClr val="7030A0"/>
               </a:solidFill>
-            </a:endParaRPr>
-          </a:p>
-        </p:txBody>
-      </p:sp>
-      <p:sp>
-        <p:nvSpPr>
-          <p:cNvPr id="2" name="Rectangle 8"/>
-          <p:cNvSpPr/>
-          <p:nvPr/>
-        </p:nvSpPr>
-        <p:spPr>
-          <a:xfrm>
-            <a:off x="2825280" y="3463240"/>
-            <a:ext cx="878211" cy="346760"/>
-          </a:xfrm>
-          <a:prstGeom prst="rect">
-            <a:avLst/>
-          </a:prstGeom>
-          <a:ln w="19050">
+            </a:ln>
+            <a:effectLst/>
+          </p:spPr>
+          <p:style>
+            <a:lnRef idx="1">
+              <a:schemeClr val="accent4"/>
+            </a:lnRef>
+            <a:fillRef idx="2">
+              <a:schemeClr val="accent4"/>
+            </a:fillRef>
+            <a:effectRef idx="1">
+              <a:schemeClr val="accent4"/>
+            </a:effectRef>
+            <a:fontRef idx="minor">
+              <a:schemeClr val="dk1"/>
+            </a:fontRef>
+          </p:style>
+          <p:txBody>
+            <a:bodyPr rtlCol="0" anchor="ctr"/>
+            <a:lstStyle/>
+            <a:p>
+              <a:pPr algn="ctr"/>
+              <a:r>
+                <a:rPr lang="en-US" sz="1050" dirty="0" err="1">
+                  <a:solidFill>
+                    <a:srgbClr val="7030A0"/>
+                  </a:solidFill>
+                </a:rPr>
+                <a:t>UserPrefs</a:t>
+              </a:r>
+              <a:endParaRPr lang="en-SG" sz="1050" dirty="0">
+                <a:solidFill>
+                  <a:srgbClr val="7030A0"/>
+                </a:solidFill>
+              </a:endParaRPr>
+            </a:p>
+          </p:txBody>
+        </p:sp>
+        <p:sp>
+          <p:nvSpPr>
+            <p:cNvPr id="9" name="Rectangle 62"/>
+            <p:cNvSpPr/>
+            <p:nvPr/>
+          </p:nvSpPr>
+          <p:spPr>
+            <a:xfrm rot="16200000">
+              <a:off x="1661548" y="3097750"/>
+              <a:ext cx="1093635" cy="346760"/>
+            </a:xfrm>
+            <a:prstGeom prst="rect">
+              <a:avLst/>
+            </a:prstGeom>
             <a:solidFill>
               <a:srgbClr val="7030A0"/>
             </a:solidFill>
-          </a:ln>
-          <a:effectLst/>
-        </p:spPr>
-        <p:style>
-          <a:lnRef idx="1">
-            <a:schemeClr val="accent4"/>
-          </a:lnRef>
-          <a:fillRef idx="2">
-            <a:schemeClr val="accent4"/>
-          </a:fillRef>
-          <a:effectRef idx="1">
-            <a:schemeClr val="accent4"/>
-          </a:effectRef>
-          <a:fontRef idx="minor">
-            <a:schemeClr val="dk1"/>
-          </a:fontRef>
-        </p:style>
-        <p:txBody>
-          <a:bodyPr rtlCol="0" anchor="ctr"/>
-          <a:lstStyle/>
-          <a:p>
-            <a:pPr algn="ctr"/>
-            <a:r>
-              <a:rPr lang="en-US" sz="1050" dirty="0" err="1">
+            <a:ln w="19050">
+              <a:solidFill>
+                <a:srgbClr val="7030A0"/>
+              </a:solidFill>
+            </a:ln>
+            <a:effectLst/>
+          </p:spPr>
+          <p:style>
+            <a:lnRef idx="1">
+              <a:schemeClr val="accent2"/>
+            </a:lnRef>
+            <a:fillRef idx="2">
+              <a:schemeClr val="accent2"/>
+            </a:fillRef>
+            <a:effectRef idx="1">
+              <a:schemeClr val="accent2"/>
+            </a:effectRef>
+            <a:fontRef idx="minor">
+              <a:schemeClr val="dk1"/>
+            </a:fontRef>
+          </p:style>
+          <p:txBody>
+            <a:bodyPr rtlCol="0" anchor="ctr"/>
+            <a:lstStyle/>
+            <a:p>
+              <a:pPr algn="ctr"/>
+              <a:r>
+                <a:rPr lang="en-US" sz="1050" dirty="0" err="1">
+                  <a:solidFill>
+                    <a:schemeClr val="bg1"/>
+                  </a:solidFill>
+                </a:rPr>
+                <a:t>ModelManager</a:t>
+              </a:r>
+              <a:endParaRPr lang="en-SG" sz="1050" dirty="0">
+                <a:solidFill>
+                  <a:schemeClr val="bg1"/>
+                </a:solidFill>
+              </a:endParaRPr>
+            </a:p>
+          </p:txBody>
+        </p:sp>
+        <p:cxnSp>
+          <p:nvCxnSpPr>
+            <p:cNvPr id="107" name="Elbow Connector 106"/>
+            <p:cNvCxnSpPr>
+              <a:cxnSpLocks/>
+              <a:stCxn id="9" idx="1"/>
+              <a:endCxn id="62" idx="2"/>
+            </p:cNvCxnSpPr>
+            <p:nvPr/>
+          </p:nvCxnSpPr>
+          <p:spPr>
+            <a:xfrm rot="5400000" flipH="1" flipV="1">
+              <a:off x="4131507" y="1281685"/>
+              <a:ext cx="613122" cy="4459404"/>
+            </a:xfrm>
+            <a:prstGeom prst="bentConnector3">
+              <a:avLst>
+                <a:gd name="adj1" fmla="val -26668"/>
+              </a:avLst>
+            </a:prstGeom>
+            <a:ln w="19050">
+              <a:solidFill>
+                <a:srgbClr val="7030A0"/>
+              </a:solidFill>
+              <a:prstDash val="solid"/>
+              <a:headEnd type="none" w="med" len="med"/>
+              <a:tailEnd type="arrow" w="med" len="med"/>
+            </a:ln>
+            <a:effectLst/>
+          </p:spPr>
+          <p:style>
+            <a:lnRef idx="1">
+              <a:schemeClr val="accent2"/>
+            </a:lnRef>
+            <a:fillRef idx="2">
+              <a:schemeClr val="accent2"/>
+            </a:fillRef>
+            <a:effectRef idx="1">
+              <a:schemeClr val="accent2"/>
+            </a:effectRef>
+            <a:fontRef idx="minor">
+              <a:schemeClr val="dk1"/>
+            </a:fontRef>
+          </p:style>
+        </p:cxnSp>
+        <p:sp>
+          <p:nvSpPr>
+            <p:cNvPr id="119" name="Rectangle 62"/>
+            <p:cNvSpPr/>
+            <p:nvPr/>
+          </p:nvSpPr>
+          <p:spPr>
+            <a:xfrm rot="16200000">
+              <a:off x="956202" y="2861202"/>
+              <a:ext cx="1093635" cy="346760"/>
+            </a:xfrm>
+            <a:prstGeom prst="rect">
+              <a:avLst/>
+            </a:prstGeom>
+            <a:solidFill>
+              <a:srgbClr val="7030A0"/>
+            </a:solidFill>
+            <a:ln w="19050">
+              <a:solidFill>
+                <a:srgbClr val="7030A0"/>
+              </a:solidFill>
+            </a:ln>
+            <a:effectLst/>
+          </p:spPr>
+          <p:style>
+            <a:lnRef idx="1">
+              <a:schemeClr val="accent2"/>
+            </a:lnRef>
+            <a:fillRef idx="2">
+              <a:schemeClr val="accent2"/>
+            </a:fillRef>
+            <a:effectRef idx="1">
+              <a:schemeClr val="accent2"/>
+            </a:effectRef>
+            <a:fontRef idx="minor">
+              <a:schemeClr val="dk1"/>
+            </a:fontRef>
+          </p:style>
+          <p:txBody>
+            <a:bodyPr rtlCol="0" anchor="ctr"/>
+            <a:lstStyle/>
+            <a:p>
+              <a:pPr algn="ctr"/>
+              <a:r>
+                <a:rPr lang="en-US" sz="1050" dirty="0">
+                  <a:solidFill>
+                    <a:schemeClr val="bg1"/>
+                  </a:solidFill>
+                </a:rPr>
+                <a:t>&lt;&lt;interface&gt;&gt;</a:t>
+              </a:r>
+            </a:p>
+            <a:p>
+              <a:pPr algn="ctr"/>
+              <a:r>
+                <a:rPr lang="en-US" sz="1050" dirty="0">
+                  <a:solidFill>
+                    <a:schemeClr val="bg1"/>
+                  </a:solidFill>
+                </a:rPr>
+                <a:t>Model</a:t>
+              </a:r>
+              <a:endParaRPr lang="en-SG" sz="1050" dirty="0">
+                <a:solidFill>
+                  <a:schemeClr val="bg1"/>
+                </a:solidFill>
+              </a:endParaRPr>
+            </a:p>
+          </p:txBody>
+        </p:sp>
+        <p:sp>
+          <p:nvSpPr>
+            <p:cNvPr id="120" name="Isosceles Triangle 102"/>
+            <p:cNvSpPr/>
+            <p:nvPr/>
+          </p:nvSpPr>
+          <p:spPr>
+            <a:xfrm rot="16200000">
+              <a:off x="1626910" y="2952291"/>
+              <a:ext cx="270504" cy="175523"/>
+            </a:xfrm>
+            <a:prstGeom prst="triangle">
+              <a:avLst/>
+            </a:prstGeom>
+            <a:solidFill>
+              <a:srgbClr val="7030A0"/>
+            </a:solidFill>
+            <a:ln w="19050">
+              <a:solidFill>
+                <a:srgbClr val="7030A0"/>
+              </a:solidFill>
+            </a:ln>
+            <a:effectLst/>
+          </p:spPr>
+          <p:style>
+            <a:lnRef idx="1">
+              <a:schemeClr val="accent6"/>
+            </a:lnRef>
+            <a:fillRef idx="2">
+              <a:schemeClr val="accent6"/>
+            </a:fillRef>
+            <a:effectRef idx="1">
+              <a:schemeClr val="accent6"/>
+            </a:effectRef>
+            <a:fontRef idx="minor">
+              <a:schemeClr val="dk1"/>
+            </a:fontRef>
+          </p:style>
+          <p:txBody>
+            <a:bodyPr rtlCol="0" anchor="ctr"/>
+            <a:lstStyle/>
+            <a:p>
+              <a:pPr algn="ctr"/>
+              <a:endParaRPr lang="en-SG" sz="1050"/>
+            </a:p>
+          </p:txBody>
+        </p:sp>
+        <p:cxnSp>
+          <p:nvCxnSpPr>
+            <p:cNvPr id="58" name="Straight Arrow Connector 57"/>
+            <p:cNvCxnSpPr>
+              <a:cxnSpLocks/>
+              <a:stCxn id="42" idx="3"/>
+              <a:endCxn id="2" idx="1"/>
+            </p:cNvCxnSpPr>
+            <p:nvPr/>
+          </p:nvCxnSpPr>
+          <p:spPr>
+            <a:xfrm>
+              <a:off x="2609828" y="3636620"/>
+              <a:ext cx="215452" cy="0"/>
+            </a:xfrm>
+            <a:prstGeom prst="straightConnector1">
+              <a:avLst/>
+            </a:prstGeom>
+            <a:ln w="19050">
+              <a:solidFill>
+                <a:srgbClr val="7030A0"/>
+              </a:solidFill>
+              <a:headEnd type="none" w="med" len="med"/>
+              <a:tailEnd type="arrow" w="med" len="med"/>
+            </a:ln>
+            <a:effectLst/>
+          </p:spPr>
+          <p:style>
+            <a:lnRef idx="1">
+              <a:schemeClr val="accent2"/>
+            </a:lnRef>
+            <a:fillRef idx="2">
+              <a:schemeClr val="accent2"/>
+            </a:fillRef>
+            <a:effectRef idx="1">
+              <a:schemeClr val="accent2"/>
+            </a:effectRef>
+            <a:fontRef idx="minor">
+              <a:schemeClr val="dk1"/>
+            </a:fontRef>
+          </p:style>
+        </p:cxnSp>
+        <p:cxnSp>
+          <p:nvCxnSpPr>
+            <p:cNvPr id="75" name="Elbow Connector 122"/>
+            <p:cNvCxnSpPr/>
+            <p:nvPr/>
+          </p:nvCxnSpPr>
+          <p:spPr>
+            <a:xfrm>
+              <a:off x="910091" y="3040053"/>
+              <a:ext cx="419548" cy="2860"/>
+            </a:xfrm>
+            <a:prstGeom prst="bentConnector3">
+              <a:avLst>
+                <a:gd name="adj1" fmla="val 50000"/>
+              </a:avLst>
+            </a:prstGeom>
+            <a:ln w="19050">
+              <a:solidFill>
+                <a:schemeClr val="bg1">
+                  <a:lumMod val="75000"/>
+                </a:schemeClr>
+              </a:solidFill>
+              <a:prstDash val="sysDot"/>
+              <a:headEnd type="none" w="med" len="med"/>
+              <a:tailEnd type="arrow" w="med" len="med"/>
+            </a:ln>
+            <a:effectLst/>
+          </p:spPr>
+          <p:style>
+            <a:lnRef idx="1">
+              <a:schemeClr val="accent2"/>
+            </a:lnRef>
+            <a:fillRef idx="2">
+              <a:schemeClr val="accent2"/>
+            </a:fillRef>
+            <a:effectRef idx="1">
+              <a:schemeClr val="accent2"/>
+            </a:effectRef>
+            <a:fontRef idx="minor">
+              <a:schemeClr val="dk1"/>
+            </a:fontRef>
+          </p:style>
+        </p:cxnSp>
+        <p:cxnSp>
+          <p:nvCxnSpPr>
+            <p:cNvPr id="21" name="Straight Connector 20"/>
+            <p:cNvCxnSpPr>
+              <a:stCxn id="120" idx="3"/>
+            </p:cNvCxnSpPr>
+            <p:nvPr/>
+          </p:nvCxnSpPr>
+          <p:spPr>
+            <a:xfrm flipV="1">
+              <a:off x="1849924" y="3040052"/>
+              <a:ext cx="216105" cy="1"/>
+            </a:xfrm>
+            <a:prstGeom prst="line">
+              <a:avLst/>
+            </a:prstGeom>
+            <a:ln w="19050">
+              <a:solidFill>
+                <a:srgbClr val="7030A0"/>
+              </a:solidFill>
+              <a:prstDash val="sysDot"/>
+              <a:headEnd type="none" w="med" len="med"/>
+              <a:tailEnd type="none" w="med" len="med"/>
+            </a:ln>
+            <a:effectLst/>
+          </p:spPr>
+          <p:style>
+            <a:lnRef idx="1">
+              <a:schemeClr val="accent2"/>
+            </a:lnRef>
+            <a:fillRef idx="2">
+              <a:schemeClr val="accent2"/>
+            </a:fillRef>
+            <a:effectRef idx="1">
+              <a:schemeClr val="accent2"/>
+            </a:effectRef>
+            <a:fontRef idx="minor">
+              <a:schemeClr val="dk1"/>
+            </a:fontRef>
+          </p:style>
+        </p:cxnSp>
+        <p:sp>
+          <p:nvSpPr>
+            <p:cNvPr id="42" name="Flowchart: Decision 96"/>
+            <p:cNvSpPr/>
+            <p:nvPr/>
+          </p:nvSpPr>
+          <p:spPr>
+            <a:xfrm>
+              <a:off x="2373780" y="3549930"/>
+              <a:ext cx="236048" cy="173380"/>
+            </a:xfrm>
+            <a:prstGeom prst="flowChartDecision">
+              <a:avLst/>
+            </a:prstGeom>
+            <a:noFill/>
+            <a:ln w="19050">
+              <a:solidFill>
+                <a:srgbClr val="7030A0"/>
+              </a:solidFill>
+            </a:ln>
+            <a:effectLst/>
+          </p:spPr>
+          <p:style>
+            <a:lnRef idx="1">
+              <a:schemeClr val="accent6"/>
+            </a:lnRef>
+            <a:fillRef idx="2">
+              <a:schemeClr val="accent6"/>
+            </a:fillRef>
+            <a:effectRef idx="1">
+              <a:schemeClr val="accent6"/>
+            </a:effectRef>
+            <a:fontRef idx="minor">
+              <a:schemeClr val="dk1"/>
+            </a:fontRef>
+          </p:style>
+          <p:txBody>
+            <a:bodyPr rtlCol="0" anchor="ctr"/>
+            <a:lstStyle/>
+            <a:p>
+              <a:pPr algn="ctr"/>
+              <a:endParaRPr lang="en-US" sz="1050"/>
+            </a:p>
+          </p:txBody>
+        </p:sp>
+        <p:sp>
+          <p:nvSpPr>
+            <p:cNvPr id="46" name="Rectangle 8"/>
+            <p:cNvSpPr/>
+            <p:nvPr/>
+          </p:nvSpPr>
+          <p:spPr>
+            <a:xfrm>
+              <a:off x="2825280" y="2846162"/>
+              <a:ext cx="1490560" cy="334856"/>
+            </a:xfrm>
+            <a:prstGeom prst="rect">
+              <a:avLst/>
+            </a:prstGeom>
+            <a:ln w="19050">
+              <a:solidFill>
+                <a:srgbClr val="7030A0"/>
+              </a:solidFill>
+            </a:ln>
+            <a:effectLst/>
+          </p:spPr>
+          <p:style>
+            <a:lnRef idx="1">
+              <a:schemeClr val="accent4"/>
+            </a:lnRef>
+            <a:fillRef idx="2">
+              <a:schemeClr val="accent4"/>
+            </a:fillRef>
+            <a:effectRef idx="1">
+              <a:schemeClr val="accent4"/>
+            </a:effectRef>
+            <a:fontRef idx="minor">
+              <a:schemeClr val="dk1"/>
+            </a:fontRef>
+          </p:style>
+          <p:txBody>
+            <a:bodyPr rtlCol="0" anchor="ctr"/>
+            <a:lstStyle/>
+            <a:p>
+              <a:pPr algn="ctr"/>
+              <a:r>
+                <a:rPr lang="en-US" sz="1050" dirty="0" err="1">
+                  <a:solidFill>
+                    <a:srgbClr val="7030A0"/>
+                  </a:solidFill>
+                </a:rPr>
+                <a:t>VersionedAddressBook</a:t>
+              </a:r>
+              <a:endParaRPr lang="en-SG" sz="1050" dirty="0">
                 <a:solidFill>
                   <a:srgbClr val="7030A0"/>
                 </a:solidFill>
-              </a:rPr>
-              <a:t>UserPrefs</a:t>
-            </a:r>
-            <a:endParaRPr lang="en-SG" sz="1050" dirty="0">
+              </a:endParaRPr>
+            </a:p>
+          </p:txBody>
+        </p:sp>
+        <p:cxnSp>
+          <p:nvCxnSpPr>
+            <p:cNvPr id="47" name="Straight Arrow Connector 46"/>
+            <p:cNvCxnSpPr>
+              <a:stCxn id="48" idx="3"/>
+              <a:endCxn id="46" idx="1"/>
+            </p:cNvCxnSpPr>
+            <p:nvPr/>
+          </p:nvCxnSpPr>
+          <p:spPr>
+            <a:xfrm>
+              <a:off x="2624360" y="3003033"/>
+              <a:ext cx="200920" cy="10557"/>
+            </a:xfrm>
+            <a:prstGeom prst="straightConnector1">
+              <a:avLst/>
+            </a:prstGeom>
+            <a:ln w="19050">
               <a:solidFill>
                 <a:srgbClr val="7030A0"/>
               </a:solidFill>
-            </a:endParaRPr>
-          </a:p>
-        </p:txBody>
-      </p:sp>
-      <p:sp>
-        <p:nvSpPr>
-          <p:cNvPr id="9" name="Rectangle 62"/>
-          <p:cNvSpPr/>
-          <p:nvPr/>
-        </p:nvSpPr>
-        <p:spPr>
-          <a:xfrm rot="16200000">
-            <a:off x="1661548" y="3097750"/>
-            <a:ext cx="1093635" cy="346760"/>
-          </a:xfrm>
-          <a:prstGeom prst="rect">
-            <a:avLst/>
-          </a:prstGeom>
-          <a:solidFill>
-            <a:srgbClr val="7030A0"/>
-          </a:solidFill>
-          <a:ln w="19050">
+              <a:headEnd type="none" w="med" len="med"/>
+              <a:tailEnd type="arrow" w="med" len="med"/>
+            </a:ln>
+            <a:effectLst/>
+          </p:spPr>
+          <p:style>
+            <a:lnRef idx="1">
+              <a:schemeClr val="accent2"/>
+            </a:lnRef>
+            <a:fillRef idx="2">
+              <a:schemeClr val="accent2"/>
+            </a:fillRef>
+            <a:effectRef idx="1">
+              <a:schemeClr val="accent2"/>
+            </a:effectRef>
+            <a:fontRef idx="minor">
+              <a:schemeClr val="dk1"/>
+            </a:fontRef>
+          </p:style>
+        </p:cxnSp>
+        <p:sp>
+          <p:nvSpPr>
+            <p:cNvPr id="48" name="Flowchart: Decision 96"/>
+            <p:cNvSpPr/>
+            <p:nvPr/>
+          </p:nvSpPr>
+          <p:spPr>
+            <a:xfrm>
+              <a:off x="2388312" y="2916343"/>
+              <a:ext cx="236048" cy="173380"/>
+            </a:xfrm>
+            <a:prstGeom prst="flowChartDecision">
+              <a:avLst/>
+            </a:prstGeom>
+            <a:noFill/>
+            <a:ln w="19050">
+              <a:solidFill>
+                <a:srgbClr val="7030A0"/>
+              </a:solidFill>
+            </a:ln>
+            <a:effectLst/>
+          </p:spPr>
+          <p:style>
+            <a:lnRef idx="1">
+              <a:schemeClr val="accent6"/>
+            </a:lnRef>
+            <a:fillRef idx="2">
+              <a:schemeClr val="accent6"/>
+            </a:fillRef>
+            <a:effectRef idx="1">
+              <a:schemeClr val="accent6"/>
+            </a:effectRef>
+            <a:fontRef idx="minor">
+              <a:schemeClr val="dk1"/>
+            </a:fontRef>
+          </p:style>
+          <p:txBody>
+            <a:bodyPr rtlCol="0" anchor="ctr"/>
+            <a:lstStyle/>
+            <a:p>
+              <a:pPr algn="ctr"/>
+              <a:endParaRPr lang="en-US" sz="1050"/>
+            </a:p>
+          </p:txBody>
+        </p:sp>
+        <p:sp>
+          <p:nvSpPr>
+            <p:cNvPr id="49" name="Rectangle 8"/>
+            <p:cNvSpPr/>
+            <p:nvPr/>
+          </p:nvSpPr>
+          <p:spPr>
+            <a:xfrm>
+              <a:off x="4692650" y="2846162"/>
+              <a:ext cx="1186474" cy="346760"/>
+            </a:xfrm>
+            <a:prstGeom prst="rect">
+              <a:avLst/>
+            </a:prstGeom>
+            <a:ln w="19050">
+              <a:solidFill>
+                <a:srgbClr val="7030A0"/>
+              </a:solidFill>
+            </a:ln>
+            <a:effectLst/>
+          </p:spPr>
+          <p:style>
+            <a:lnRef idx="1">
+              <a:schemeClr val="accent4"/>
+            </a:lnRef>
+            <a:fillRef idx="2">
+              <a:schemeClr val="accent4"/>
+            </a:fillRef>
+            <a:effectRef idx="1">
+              <a:schemeClr val="accent4"/>
+            </a:effectRef>
+            <a:fontRef idx="minor">
+              <a:schemeClr val="dk1"/>
+            </a:fontRef>
+          </p:style>
+          <p:txBody>
+            <a:bodyPr rtlCol="0" anchor="ctr"/>
+            <a:lstStyle/>
+            <a:p>
+              <a:pPr algn="ctr"/>
+              <a:r>
+                <a:rPr lang="en-US" sz="1050" dirty="0" err="1">
+                  <a:solidFill>
+                    <a:srgbClr val="7030A0"/>
+                  </a:solidFill>
+                </a:rPr>
+                <a:t>UniqueModuleList</a:t>
+              </a:r>
+              <a:endParaRPr lang="en-SG" sz="1050" dirty="0">
+                <a:solidFill>
+                  <a:srgbClr val="7030A0"/>
+                </a:solidFill>
+              </a:endParaRPr>
+            </a:p>
+          </p:txBody>
+        </p:sp>
+        <p:sp>
+          <p:nvSpPr>
+            <p:cNvPr id="51" name="Flowchart: Decision 96"/>
+            <p:cNvSpPr/>
+            <p:nvPr/>
+          </p:nvSpPr>
+          <p:spPr>
+            <a:xfrm>
+              <a:off x="4324972" y="2920532"/>
+              <a:ext cx="236048" cy="173380"/>
+            </a:xfrm>
+            <a:prstGeom prst="flowChartDecision">
+              <a:avLst/>
+            </a:prstGeom>
             <a:solidFill>
               <a:srgbClr val="7030A0"/>
             </a:solidFill>
-          </a:ln>
-          <a:effectLst/>
-        </p:spPr>
-        <p:style>
-          <a:lnRef idx="1">
-            <a:schemeClr val="accent2"/>
-          </a:lnRef>
-          <a:fillRef idx="2">
-            <a:schemeClr val="accent2"/>
-          </a:fillRef>
-          <a:effectRef idx="1">
-            <a:schemeClr val="accent2"/>
-          </a:effectRef>
-          <a:fontRef idx="minor">
-            <a:schemeClr val="dk1"/>
-          </a:fontRef>
-        </p:style>
-        <p:txBody>
-          <a:bodyPr rtlCol="0" anchor="ctr"/>
-          <a:lstStyle/>
-          <a:p>
-            <a:pPr algn="ctr"/>
-            <a:r>
-              <a:rPr lang="en-US" sz="1050" dirty="0" err="1">
+            <a:ln w="19050">
+              <a:solidFill>
+                <a:srgbClr val="7030A0"/>
+              </a:solidFill>
+            </a:ln>
+            <a:effectLst/>
+          </p:spPr>
+          <p:style>
+            <a:lnRef idx="1">
+              <a:schemeClr val="accent6"/>
+            </a:lnRef>
+            <a:fillRef idx="2">
+              <a:schemeClr val="accent6"/>
+            </a:fillRef>
+            <a:effectRef idx="1">
+              <a:schemeClr val="accent6"/>
+            </a:effectRef>
+            <a:fontRef idx="minor">
+              <a:schemeClr val="dk1"/>
+            </a:fontRef>
+          </p:style>
+          <p:txBody>
+            <a:bodyPr rtlCol="0" anchor="ctr"/>
+            <a:lstStyle/>
+            <a:p>
+              <a:pPr algn="ctr"/>
+              <a:endParaRPr lang="en-US" sz="1050"/>
+            </a:p>
+          </p:txBody>
+        </p:sp>
+        <p:sp>
+          <p:nvSpPr>
+            <p:cNvPr id="62" name="Rectangle 8"/>
+            <p:cNvSpPr/>
+            <p:nvPr/>
+          </p:nvSpPr>
+          <p:spPr>
+            <a:xfrm>
+              <a:off x="6313677" y="2858066"/>
+              <a:ext cx="708186" cy="346760"/>
+            </a:xfrm>
+            <a:prstGeom prst="rect">
+              <a:avLst/>
+            </a:prstGeom>
+            <a:ln w="19050">
+              <a:solidFill>
+                <a:srgbClr val="7030A0"/>
+              </a:solidFill>
+            </a:ln>
+            <a:effectLst/>
+          </p:spPr>
+          <p:style>
+            <a:lnRef idx="1">
+              <a:schemeClr val="accent4"/>
+            </a:lnRef>
+            <a:fillRef idx="2">
+              <a:schemeClr val="accent4"/>
+            </a:fillRef>
+            <a:effectRef idx="1">
+              <a:schemeClr val="accent4"/>
+            </a:effectRef>
+            <a:fontRef idx="minor">
+              <a:schemeClr val="dk1"/>
+            </a:fontRef>
+          </p:style>
+          <p:txBody>
+            <a:bodyPr rtlCol="0" anchor="ctr"/>
+            <a:lstStyle/>
+            <a:p>
+              <a:pPr algn="ctr"/>
+              <a:r>
+                <a:rPr lang="en-US" sz="1050">
+                  <a:solidFill>
+                    <a:srgbClr val="7030A0"/>
+                  </a:solidFill>
+                </a:rPr>
+                <a:t>Module</a:t>
+              </a:r>
+              <a:endParaRPr lang="en-SG" sz="1050" dirty="0">
                 <a:solidFill>
-                  <a:schemeClr val="bg1"/>
+                  <a:srgbClr val="7030A0"/>
                 </a:solidFill>
-              </a:rPr>
-              <a:t>ModelManager</a:t>
-            </a:r>
-            <a:endParaRPr lang="en-SG" sz="1050" dirty="0">
+              </a:endParaRPr>
+            </a:p>
+          </p:txBody>
+        </p:sp>
+        <p:sp>
+          <p:nvSpPr>
+            <p:cNvPr id="63" name="Flowchart: Decision 96"/>
+            <p:cNvSpPr/>
+            <p:nvPr/>
+          </p:nvSpPr>
+          <p:spPr>
+            <a:xfrm>
+              <a:off x="5881886" y="2941676"/>
+              <a:ext cx="236048" cy="173380"/>
+            </a:xfrm>
+            <a:prstGeom prst="flowChartDecision">
+              <a:avLst/>
+            </a:prstGeom>
+            <a:noFill/>
+            <a:ln w="19050">
               <a:solidFill>
-                <a:schemeClr val="bg1"/>
+                <a:srgbClr val="7030A0"/>
               </a:solidFill>
-            </a:endParaRPr>
-          </a:p>
-        </p:txBody>
-      </p:sp>
-      <p:cxnSp>
-        <p:nvCxnSpPr>
-          <p:cNvPr id="107" name="Elbow Connector 106"/>
-          <p:cNvCxnSpPr>
-            <a:cxnSpLocks/>
-            <a:stCxn id="9" idx="1"/>
-            <a:endCxn id="62" idx="2"/>
-          </p:cNvCxnSpPr>
-          <p:nvPr/>
-        </p:nvCxnSpPr>
-        <p:spPr>
-          <a:xfrm rot="5400000" flipH="1" flipV="1">
-            <a:off x="4131507" y="1281685"/>
-            <a:ext cx="613122" cy="4459404"/>
-          </a:xfrm>
-          <a:prstGeom prst="bentConnector3">
-            <a:avLst>
-              <a:gd name="adj1" fmla="val -26668"/>
-            </a:avLst>
-          </a:prstGeom>
-          <a:ln w="19050">
+            </a:ln>
+            <a:effectLst/>
+          </p:spPr>
+          <p:style>
+            <a:lnRef idx="1">
+              <a:schemeClr val="accent6"/>
+            </a:lnRef>
+            <a:fillRef idx="2">
+              <a:schemeClr val="accent6"/>
+            </a:fillRef>
+            <a:effectRef idx="1">
+              <a:schemeClr val="accent6"/>
+            </a:effectRef>
+            <a:fontRef idx="minor">
+              <a:schemeClr val="dk1"/>
+            </a:fontRef>
+          </p:style>
+          <p:txBody>
+            <a:bodyPr rtlCol="0" anchor="ctr"/>
+            <a:lstStyle/>
+            <a:p>
+              <a:pPr algn="ctr"/>
+              <a:endParaRPr lang="en-US" sz="1050"/>
+            </a:p>
+          </p:txBody>
+        </p:sp>
+        <p:cxnSp>
+          <p:nvCxnSpPr>
+            <p:cNvPr id="64" name="Elbow Connector 63"/>
+            <p:cNvCxnSpPr>
+              <a:stCxn id="63" idx="3"/>
+              <a:endCxn id="62" idx="1"/>
+            </p:cNvCxnSpPr>
+            <p:nvPr/>
+          </p:nvCxnSpPr>
+          <p:spPr>
+            <a:xfrm>
+              <a:off x="6117934" y="3028366"/>
+              <a:ext cx="195743" cy="3080"/>
+            </a:xfrm>
+            <a:prstGeom prst="bentConnector3">
+              <a:avLst/>
+            </a:prstGeom>
+            <a:ln w="19050">
+              <a:solidFill>
+                <a:srgbClr val="7030A0"/>
+              </a:solidFill>
+              <a:headEnd type="none" w="med" len="med"/>
+              <a:tailEnd type="arrow" w="med" len="med"/>
+            </a:ln>
+            <a:effectLst/>
+          </p:spPr>
+          <p:style>
+            <a:lnRef idx="1">
+              <a:schemeClr val="accent2"/>
+            </a:lnRef>
+            <a:fillRef idx="2">
+              <a:schemeClr val="accent2"/>
+            </a:fillRef>
+            <a:effectRef idx="1">
+              <a:schemeClr val="accent2"/>
+            </a:effectRef>
+            <a:fontRef idx="minor">
+              <a:schemeClr val="dk1"/>
+            </a:fontRef>
+          </p:style>
+        </p:cxnSp>
+        <p:sp>
+          <p:nvSpPr>
+            <p:cNvPr id="76" name="Rectangle 8"/>
+            <p:cNvSpPr/>
+            <p:nvPr/>
+          </p:nvSpPr>
+          <p:spPr>
+            <a:xfrm>
+              <a:off x="7712397" y="2564238"/>
+              <a:ext cx="708186" cy="285783"/>
+            </a:xfrm>
+            <a:prstGeom prst="rect">
+              <a:avLst/>
+            </a:prstGeom>
+            <a:ln w="19050">
+              <a:solidFill>
+                <a:srgbClr val="7030A0"/>
+              </a:solidFill>
+            </a:ln>
+            <a:effectLst/>
+          </p:spPr>
+          <p:style>
+            <a:lnRef idx="1">
+              <a:schemeClr val="accent4"/>
+            </a:lnRef>
+            <a:fillRef idx="2">
+              <a:schemeClr val="accent4"/>
+            </a:fillRef>
+            <a:effectRef idx="1">
+              <a:schemeClr val="accent4"/>
+            </a:effectRef>
+            <a:fontRef idx="minor">
+              <a:schemeClr val="dk1"/>
+            </a:fontRef>
+          </p:style>
+          <p:txBody>
+            <a:bodyPr rtlCol="0" anchor="ctr"/>
+            <a:lstStyle/>
+            <a:p>
+              <a:pPr algn="ctr"/>
+              <a:r>
+                <a:rPr lang="en-US" sz="1050" dirty="0">
+                  <a:solidFill>
+                    <a:srgbClr val="7030A0"/>
+                  </a:solidFill>
+                </a:rPr>
+                <a:t>Name</a:t>
+              </a:r>
+              <a:endParaRPr lang="en-SG" sz="1050" dirty="0">
+                <a:solidFill>
+                  <a:srgbClr val="7030A0"/>
+                </a:solidFill>
+              </a:endParaRPr>
+            </a:p>
+          </p:txBody>
+        </p:sp>
+        <p:sp>
+          <p:nvSpPr>
+            <p:cNvPr id="78" name="Flowchart: Decision 96"/>
+            <p:cNvSpPr/>
+            <p:nvPr/>
+          </p:nvSpPr>
+          <p:spPr>
+            <a:xfrm>
+              <a:off x="7041947" y="2948201"/>
+              <a:ext cx="236048" cy="173380"/>
+            </a:xfrm>
+            <a:prstGeom prst="flowChartDecision">
+              <a:avLst/>
+            </a:prstGeom>
             <a:solidFill>
               <a:srgbClr val="7030A0"/>
             </a:solidFill>
-            <a:prstDash val="solid"/>
-            <a:headEnd type="none" w="med" len="med"/>
-            <a:tailEnd type="arrow" w="med" len="med"/>
-          </a:ln>
-          <a:effectLst/>
-        </p:spPr>
-        <p:style>
-          <a:lnRef idx="1">
-            <a:schemeClr val="accent2"/>
-          </a:lnRef>
-          <a:fillRef idx="2">
-            <a:schemeClr val="accent2"/>
-          </a:fillRef>
-          <a:effectRef idx="1">
-            <a:schemeClr val="accent2"/>
-          </a:effectRef>
-          <a:fontRef idx="minor">
-            <a:schemeClr val="dk1"/>
-          </a:fontRef>
-        </p:style>
-      </p:cxnSp>
-      <p:sp>
-        <p:nvSpPr>
-          <p:cNvPr id="119" name="Rectangle 62"/>
-          <p:cNvSpPr/>
-          <p:nvPr/>
-        </p:nvSpPr>
-        <p:spPr>
-          <a:xfrm rot="16200000">
-            <a:off x="956202" y="2861202"/>
-            <a:ext cx="1093635" cy="346760"/>
-          </a:xfrm>
-          <a:prstGeom prst="rect">
-            <a:avLst/>
-          </a:prstGeom>
-          <a:solidFill>
-            <a:srgbClr val="7030A0"/>
-          </a:solidFill>
-          <a:ln w="19050">
-            <a:solidFill>
-              <a:srgbClr val="7030A0"/>
-            </a:solidFill>
-          </a:ln>
-          <a:effectLst/>
-        </p:spPr>
-        <p:style>
-          <a:lnRef idx="1">
-            <a:schemeClr val="accent2"/>
-          </a:lnRef>
-          <a:fillRef idx="2">
-            <a:schemeClr val="accent2"/>
-          </a:fillRef>
-          <a:effectRef idx="1">
-            <a:schemeClr val="accent2"/>
-          </a:effectRef>
-          <a:fontRef idx="minor">
-            <a:schemeClr val="dk1"/>
-          </a:fontRef>
-        </p:style>
-        <p:txBody>
-          <a:bodyPr rtlCol="0" anchor="ctr"/>
-          <a:lstStyle/>
-          <a:p>
-            <a:pPr algn="ctr"/>
-            <a:r>
-              <a:rPr lang="en-US" sz="1050" dirty="0">
-                <a:solidFill>
-                  <a:schemeClr val="bg1"/>
-                </a:solidFill>
-              </a:rPr>
-              <a:t>&lt;&lt;interface&gt;&gt;</a:t>
-            </a:r>
-          </a:p>
-          <a:p>
-            <a:pPr algn="ctr"/>
-            <a:r>
-              <a:rPr lang="en-US" sz="1050" dirty="0">
-                <a:solidFill>
-                  <a:schemeClr val="bg1"/>
-                </a:solidFill>
-              </a:rPr>
-              <a:t>Model</a:t>
-            </a:r>
-            <a:endParaRPr lang="en-SG" sz="1050" dirty="0">
+            <a:ln w="19050">
               <a:solidFill>
-                <a:schemeClr val="bg1"/>
+                <a:srgbClr val="7030A0"/>
               </a:solidFill>
-            </a:endParaRPr>
-          </a:p>
-        </p:txBody>
-      </p:sp>
-      <p:sp>
-        <p:nvSpPr>
-          <p:cNvPr id="120" name="Isosceles Triangle 102"/>
-          <p:cNvSpPr/>
-          <p:nvPr/>
-        </p:nvSpPr>
-        <p:spPr>
-          <a:xfrm rot="16200000">
-            <a:off x="1626910" y="2952291"/>
-            <a:ext cx="270504" cy="175523"/>
-          </a:xfrm>
-          <a:prstGeom prst="triangle">
-            <a:avLst/>
-          </a:prstGeom>
-          <a:solidFill>
-            <a:srgbClr val="7030A0"/>
-          </a:solidFill>
-          <a:ln w="19050">
-            <a:solidFill>
-              <a:srgbClr val="7030A0"/>
-            </a:solidFill>
-          </a:ln>
-          <a:effectLst/>
-        </p:spPr>
-        <p:style>
-          <a:lnRef idx="1">
-            <a:schemeClr val="accent6"/>
-          </a:lnRef>
-          <a:fillRef idx="2">
-            <a:schemeClr val="accent6"/>
-          </a:fillRef>
-          <a:effectRef idx="1">
-            <a:schemeClr val="accent6"/>
-          </a:effectRef>
-          <a:fontRef idx="minor">
-            <a:schemeClr val="dk1"/>
-          </a:fontRef>
-        </p:style>
-        <p:txBody>
-          <a:bodyPr rtlCol="0" anchor="ctr"/>
-          <a:lstStyle/>
-          <a:p>
-            <a:pPr algn="ctr"/>
-            <a:endParaRPr lang="en-SG" sz="1050"/>
-          </a:p>
-        </p:txBody>
-      </p:sp>
-      <p:cxnSp>
-        <p:nvCxnSpPr>
-          <p:cNvPr id="58" name="Straight Arrow Connector 57"/>
-          <p:cNvCxnSpPr>
-            <a:cxnSpLocks/>
-            <a:stCxn id="42" idx="3"/>
-            <a:endCxn id="2" idx="1"/>
-          </p:cNvCxnSpPr>
-          <p:nvPr/>
-        </p:nvCxnSpPr>
-        <p:spPr>
-          <a:xfrm>
-            <a:off x="2609828" y="3636620"/>
-            <a:ext cx="215452" cy="0"/>
-          </a:xfrm>
-          <a:prstGeom prst="straightConnector1">
-            <a:avLst/>
-          </a:prstGeom>
-          <a:ln w="19050">
-            <a:solidFill>
-              <a:srgbClr val="7030A0"/>
-            </a:solidFill>
-            <a:headEnd type="none" w="med" len="med"/>
-            <a:tailEnd type="arrow" w="med" len="med"/>
-          </a:ln>
-          <a:effectLst/>
-        </p:spPr>
-        <p:style>
-          <a:lnRef idx="1">
-            <a:schemeClr val="accent2"/>
-          </a:lnRef>
-          <a:fillRef idx="2">
-            <a:schemeClr val="accent2"/>
-          </a:fillRef>
-          <a:effectRef idx="1">
-            <a:schemeClr val="accent2"/>
-          </a:effectRef>
-          <a:fontRef idx="minor">
-            <a:schemeClr val="dk1"/>
-          </a:fontRef>
-        </p:style>
-      </p:cxnSp>
-      <p:cxnSp>
-        <p:nvCxnSpPr>
-          <p:cNvPr id="75" name="Elbow Connector 122"/>
-          <p:cNvCxnSpPr/>
-          <p:nvPr/>
-        </p:nvCxnSpPr>
-        <p:spPr>
-          <a:xfrm>
-            <a:off x="910091" y="3040053"/>
-            <a:ext cx="419548" cy="2860"/>
-          </a:xfrm>
-          <a:prstGeom prst="bentConnector3">
-            <a:avLst>
-              <a:gd name="adj1" fmla="val 50000"/>
-            </a:avLst>
-          </a:prstGeom>
-          <a:ln w="19050">
-            <a:solidFill>
-              <a:schemeClr val="bg1">
-                <a:lumMod val="75000"/>
-              </a:schemeClr>
-            </a:solidFill>
-            <a:prstDash val="sysDot"/>
-            <a:headEnd type="none" w="med" len="med"/>
-            <a:tailEnd type="arrow" w="med" len="med"/>
-          </a:ln>
-          <a:effectLst/>
-        </p:spPr>
-        <p:style>
-          <a:lnRef idx="1">
-            <a:schemeClr val="accent2"/>
-          </a:lnRef>
-          <a:fillRef idx="2">
-            <a:schemeClr val="accent2"/>
-          </a:fillRef>
-          <a:effectRef idx="1">
-            <a:schemeClr val="accent2"/>
-          </a:effectRef>
-          <a:fontRef idx="minor">
-            <a:schemeClr val="dk1"/>
-          </a:fontRef>
-        </p:style>
-      </p:cxnSp>
-      <p:cxnSp>
-        <p:nvCxnSpPr>
-          <p:cNvPr id="21" name="Straight Connector 20"/>
-          <p:cNvCxnSpPr>
-            <a:stCxn id="120" idx="3"/>
-          </p:cNvCxnSpPr>
-          <p:nvPr/>
-        </p:nvCxnSpPr>
-        <p:spPr>
-          <a:xfrm flipV="1">
-            <a:off x="1849924" y="3040052"/>
-            <a:ext cx="216105" cy="1"/>
-          </a:xfrm>
-          <a:prstGeom prst="line">
-            <a:avLst/>
-          </a:prstGeom>
-          <a:ln w="19050">
-            <a:solidFill>
-              <a:srgbClr val="7030A0"/>
-            </a:solidFill>
-            <a:prstDash val="sysDot"/>
-            <a:headEnd type="none" w="med" len="med"/>
-            <a:tailEnd type="none" w="med" len="med"/>
-          </a:ln>
-          <a:effectLst/>
-        </p:spPr>
-        <p:style>
-          <a:lnRef idx="1">
-            <a:schemeClr val="accent2"/>
-          </a:lnRef>
-          <a:fillRef idx="2">
-            <a:schemeClr val="accent2"/>
-          </a:fillRef>
-          <a:effectRef idx="1">
-            <a:schemeClr val="accent2"/>
-          </a:effectRef>
-          <a:fontRef idx="minor">
-            <a:schemeClr val="dk1"/>
-          </a:fontRef>
-        </p:style>
-      </p:cxnSp>
-      <p:sp>
-        <p:nvSpPr>
-          <p:cNvPr id="42" name="Flowchart: Decision 96"/>
-          <p:cNvSpPr/>
-          <p:nvPr/>
-        </p:nvSpPr>
-        <p:spPr>
-          <a:xfrm>
-            <a:off x="2373780" y="3549930"/>
-            <a:ext cx="236048" cy="173380"/>
-          </a:xfrm>
-          <a:prstGeom prst="flowChartDecision">
-            <a:avLst/>
-          </a:prstGeom>
-          <a:noFill/>
-          <a:ln w="19050">
-            <a:solidFill>
-              <a:srgbClr val="7030A0"/>
-            </a:solidFill>
-          </a:ln>
-          <a:effectLst/>
-        </p:spPr>
-        <p:style>
-          <a:lnRef idx="1">
-            <a:schemeClr val="accent6"/>
-          </a:lnRef>
-          <a:fillRef idx="2">
-            <a:schemeClr val="accent6"/>
-          </a:fillRef>
-          <a:effectRef idx="1">
-            <a:schemeClr val="accent6"/>
-          </a:effectRef>
-          <a:fontRef idx="minor">
-            <a:schemeClr val="dk1"/>
-          </a:fontRef>
-        </p:style>
-        <p:txBody>
-          <a:bodyPr rtlCol="0" anchor="ctr"/>
-          <a:lstStyle/>
-          <a:p>
-            <a:pPr algn="ctr"/>
-            <a:endParaRPr lang="en-US" sz="1050"/>
-          </a:p>
-        </p:txBody>
-      </p:sp>
-      <p:sp>
-        <p:nvSpPr>
-          <p:cNvPr id="46" name="Rectangle 8"/>
-          <p:cNvSpPr/>
-          <p:nvPr/>
-        </p:nvSpPr>
-        <p:spPr>
-          <a:xfrm>
-            <a:off x="2825280" y="2846162"/>
-            <a:ext cx="1490560" cy="334856"/>
-          </a:xfrm>
-          <a:prstGeom prst="rect">
-            <a:avLst/>
-          </a:prstGeom>
-          <a:ln w="19050">
-            <a:solidFill>
-              <a:srgbClr val="7030A0"/>
-            </a:solidFill>
-          </a:ln>
-          <a:effectLst/>
-        </p:spPr>
-        <p:style>
-          <a:lnRef idx="1">
-            <a:schemeClr val="accent4"/>
-          </a:lnRef>
-          <a:fillRef idx="2">
-            <a:schemeClr val="accent4"/>
-          </a:fillRef>
-          <a:effectRef idx="1">
-            <a:schemeClr val="accent4"/>
-          </a:effectRef>
-          <a:fontRef idx="minor">
-            <a:schemeClr val="dk1"/>
-          </a:fontRef>
-        </p:style>
-        <p:txBody>
-          <a:bodyPr rtlCol="0" anchor="ctr"/>
-          <a:lstStyle/>
-          <a:p>
-            <a:pPr algn="ctr"/>
-            <a:r>
-              <a:rPr lang="en-US" sz="1050" dirty="0" err="1">
+            </a:ln>
+            <a:effectLst/>
+          </p:spPr>
+          <p:style>
+            <a:lnRef idx="1">
+              <a:schemeClr val="accent6"/>
+            </a:lnRef>
+            <a:fillRef idx="2">
+              <a:schemeClr val="accent6"/>
+            </a:fillRef>
+            <a:effectRef idx="1">
+              <a:schemeClr val="accent6"/>
+            </a:effectRef>
+            <a:fontRef idx="minor">
+              <a:schemeClr val="dk1"/>
+            </a:fontRef>
+          </p:style>
+          <p:txBody>
+            <a:bodyPr rtlCol="0" anchor="ctr"/>
+            <a:lstStyle/>
+            <a:p>
+              <a:pPr algn="ctr"/>
+              <a:endParaRPr lang="en-US" sz="1050"/>
+            </a:p>
+          </p:txBody>
+        </p:sp>
+        <p:cxnSp>
+          <p:nvCxnSpPr>
+            <p:cNvPr id="79" name="Elbow Connector 78"/>
+            <p:cNvCxnSpPr>
+              <a:cxnSpLocks/>
+            </p:cNvCxnSpPr>
+            <p:nvPr/>
+          </p:nvCxnSpPr>
+          <p:spPr>
+            <a:xfrm flipV="1">
+              <a:off x="7277995" y="2706821"/>
+              <a:ext cx="434402" cy="327761"/>
+            </a:xfrm>
+            <a:prstGeom prst="bentConnector3">
+              <a:avLst/>
+            </a:prstGeom>
+            <a:ln w="19050">
+              <a:solidFill>
+                <a:srgbClr val="7030A0"/>
+              </a:solidFill>
+              <a:headEnd type="none" w="med" len="med"/>
+              <a:tailEnd type="arrow" w="med" len="med"/>
+            </a:ln>
+            <a:effectLst/>
+          </p:spPr>
+          <p:style>
+            <a:lnRef idx="1">
+              <a:schemeClr val="accent2"/>
+            </a:lnRef>
+            <a:fillRef idx="2">
+              <a:schemeClr val="accent2"/>
+            </a:fillRef>
+            <a:effectRef idx="1">
+              <a:schemeClr val="accent2"/>
+            </a:effectRef>
+            <a:fontRef idx="minor">
+              <a:schemeClr val="dk1"/>
+            </a:fontRef>
+          </p:style>
+        </p:cxnSp>
+        <p:sp>
+          <p:nvSpPr>
+            <p:cNvPr id="80" name="Rectangle 8"/>
+            <p:cNvSpPr/>
+            <p:nvPr/>
+          </p:nvSpPr>
+          <p:spPr>
+            <a:xfrm>
+              <a:off x="7712397" y="2887216"/>
+              <a:ext cx="708186" cy="285783"/>
+            </a:xfrm>
+            <a:prstGeom prst="rect">
+              <a:avLst/>
+            </a:prstGeom>
+            <a:ln w="19050">
+              <a:solidFill>
+                <a:srgbClr val="7030A0"/>
+              </a:solidFill>
+            </a:ln>
+            <a:effectLst/>
+          </p:spPr>
+          <p:style>
+            <a:lnRef idx="1">
+              <a:schemeClr val="accent4"/>
+            </a:lnRef>
+            <a:fillRef idx="2">
+              <a:schemeClr val="accent4"/>
+            </a:fillRef>
+            <a:effectRef idx="1">
+              <a:schemeClr val="accent4"/>
+            </a:effectRef>
+            <a:fontRef idx="minor">
+              <a:schemeClr val="dk1"/>
+            </a:fontRef>
+          </p:style>
+          <p:txBody>
+            <a:bodyPr rtlCol="0" anchor="ctr"/>
+            <a:lstStyle/>
+            <a:p>
+              <a:pPr algn="ctr"/>
+              <a:r>
+                <a:rPr lang="en-US" sz="1050" dirty="0">
+                  <a:solidFill>
+                    <a:srgbClr val="7030A0"/>
+                  </a:solidFill>
+                </a:rPr>
+                <a:t>Phone</a:t>
+              </a:r>
+              <a:endParaRPr lang="en-SG" sz="1050" dirty="0">
                 <a:solidFill>
                   <a:srgbClr val="7030A0"/>
                 </a:solidFill>
-              </a:rPr>
-              <a:t>VersionedAddressBook</a:t>
-            </a:r>
-            <a:endParaRPr lang="en-SG" sz="1050" dirty="0">
+              </a:endParaRPr>
+            </a:p>
+          </p:txBody>
+        </p:sp>
+        <p:cxnSp>
+          <p:nvCxnSpPr>
+            <p:cNvPr id="81" name="Elbow Connector 80"/>
+            <p:cNvCxnSpPr>
+              <a:stCxn id="78" idx="3"/>
+              <a:endCxn id="80" idx="1"/>
+            </p:cNvCxnSpPr>
+            <p:nvPr/>
+          </p:nvCxnSpPr>
+          <p:spPr>
+            <a:xfrm flipV="1">
+              <a:off x="7277995" y="3030108"/>
+              <a:ext cx="434402" cy="4783"/>
+            </a:xfrm>
+            <a:prstGeom prst="bentConnector3">
+              <a:avLst/>
+            </a:prstGeom>
+            <a:ln w="19050">
               <a:solidFill>
                 <a:srgbClr val="7030A0"/>
               </a:solidFill>
-            </a:endParaRPr>
-          </a:p>
-        </p:txBody>
-      </p:sp>
-      <p:cxnSp>
-        <p:nvCxnSpPr>
-          <p:cNvPr id="47" name="Straight Arrow Connector 46"/>
-          <p:cNvCxnSpPr>
-            <a:stCxn id="48" idx="3"/>
-            <a:endCxn id="46" idx="1"/>
-          </p:cNvCxnSpPr>
-          <p:nvPr/>
-        </p:nvCxnSpPr>
-        <p:spPr>
-          <a:xfrm>
-            <a:off x="2624360" y="3003033"/>
-            <a:ext cx="200920" cy="10557"/>
-          </a:xfrm>
-          <a:prstGeom prst="straightConnector1">
-            <a:avLst/>
-          </a:prstGeom>
-          <a:ln w="19050">
-            <a:solidFill>
-              <a:srgbClr val="7030A0"/>
-            </a:solidFill>
-            <a:headEnd type="none" w="med" len="med"/>
-            <a:tailEnd type="arrow" w="med" len="med"/>
-          </a:ln>
-          <a:effectLst/>
-        </p:spPr>
-        <p:style>
-          <a:lnRef idx="1">
-            <a:schemeClr val="accent2"/>
-          </a:lnRef>
-          <a:fillRef idx="2">
-            <a:schemeClr val="accent2"/>
-          </a:fillRef>
-          <a:effectRef idx="1">
-            <a:schemeClr val="accent2"/>
-          </a:effectRef>
-          <a:fontRef idx="minor">
-            <a:schemeClr val="dk1"/>
-          </a:fontRef>
-        </p:style>
-      </p:cxnSp>
-      <p:sp>
-        <p:nvSpPr>
-          <p:cNvPr id="48" name="Flowchart: Decision 96"/>
-          <p:cNvSpPr/>
-          <p:nvPr/>
-        </p:nvSpPr>
-        <p:spPr>
-          <a:xfrm>
-            <a:off x="2388312" y="2916343"/>
-            <a:ext cx="236048" cy="173380"/>
-          </a:xfrm>
-          <a:prstGeom prst="flowChartDecision">
-            <a:avLst/>
-          </a:prstGeom>
-          <a:noFill/>
-          <a:ln w="19050">
-            <a:solidFill>
-              <a:srgbClr val="7030A0"/>
-            </a:solidFill>
-          </a:ln>
-          <a:effectLst/>
-        </p:spPr>
-        <p:style>
-          <a:lnRef idx="1">
-            <a:schemeClr val="accent6"/>
-          </a:lnRef>
-          <a:fillRef idx="2">
-            <a:schemeClr val="accent6"/>
-          </a:fillRef>
-          <a:effectRef idx="1">
-            <a:schemeClr val="accent6"/>
-          </a:effectRef>
-          <a:fontRef idx="minor">
-            <a:schemeClr val="dk1"/>
-          </a:fontRef>
-        </p:style>
-        <p:txBody>
-          <a:bodyPr rtlCol="0" anchor="ctr"/>
-          <a:lstStyle/>
-          <a:p>
-            <a:pPr algn="ctr"/>
-            <a:endParaRPr lang="en-US" sz="1050"/>
-          </a:p>
-        </p:txBody>
-      </p:sp>
-      <p:sp>
-        <p:nvSpPr>
-          <p:cNvPr id="49" name="Rectangle 8"/>
-          <p:cNvSpPr/>
-          <p:nvPr/>
-        </p:nvSpPr>
-        <p:spPr>
-          <a:xfrm>
-            <a:off x="4692650" y="2846162"/>
-            <a:ext cx="1156969" cy="346760"/>
-          </a:xfrm>
-          <a:prstGeom prst="rect">
-            <a:avLst/>
-          </a:prstGeom>
-          <a:ln w="19050">
-            <a:solidFill>
-              <a:srgbClr val="7030A0"/>
-            </a:solidFill>
-          </a:ln>
-          <a:effectLst/>
-        </p:spPr>
-        <p:style>
-          <a:lnRef idx="1">
-            <a:schemeClr val="accent4"/>
-          </a:lnRef>
-          <a:fillRef idx="2">
-            <a:schemeClr val="accent4"/>
-          </a:fillRef>
-          <a:effectRef idx="1">
-            <a:schemeClr val="accent4"/>
-          </a:effectRef>
-          <a:fontRef idx="minor">
-            <a:schemeClr val="dk1"/>
-          </a:fontRef>
-        </p:style>
-        <p:txBody>
-          <a:bodyPr rtlCol="0" anchor="ctr"/>
-          <a:lstStyle/>
-          <a:p>
-            <a:pPr algn="ctr"/>
-            <a:r>
-              <a:rPr lang="en-US" sz="1050" dirty="0" err="1">
+              <a:headEnd type="none" w="med" len="med"/>
+              <a:tailEnd type="arrow" w="med" len="med"/>
+            </a:ln>
+            <a:effectLst/>
+          </p:spPr>
+          <p:style>
+            <a:lnRef idx="1">
+              <a:schemeClr val="accent2"/>
+            </a:lnRef>
+            <a:fillRef idx="2">
+              <a:schemeClr val="accent2"/>
+            </a:fillRef>
+            <a:effectRef idx="1">
+              <a:schemeClr val="accent2"/>
+            </a:effectRef>
+            <a:fontRef idx="minor">
+              <a:schemeClr val="dk1"/>
+            </a:fontRef>
+          </p:style>
+        </p:cxnSp>
+        <p:sp>
+          <p:nvSpPr>
+            <p:cNvPr id="83" name="Rectangle 8"/>
+            <p:cNvSpPr/>
+            <p:nvPr/>
+          </p:nvSpPr>
+          <p:spPr>
+            <a:xfrm>
+              <a:off x="7712397" y="3210194"/>
+              <a:ext cx="708186" cy="285783"/>
+            </a:xfrm>
+            <a:prstGeom prst="rect">
+              <a:avLst/>
+            </a:prstGeom>
+            <a:ln w="19050">
+              <a:solidFill>
+                <a:srgbClr val="7030A0"/>
+              </a:solidFill>
+            </a:ln>
+            <a:effectLst/>
+          </p:spPr>
+          <p:style>
+            <a:lnRef idx="1">
+              <a:schemeClr val="accent4"/>
+            </a:lnRef>
+            <a:fillRef idx="2">
+              <a:schemeClr val="accent4"/>
+            </a:fillRef>
+            <a:effectRef idx="1">
+              <a:schemeClr val="accent4"/>
+            </a:effectRef>
+            <a:fontRef idx="minor">
+              <a:schemeClr val="dk1"/>
+            </a:fontRef>
+          </p:style>
+          <p:txBody>
+            <a:bodyPr rtlCol="0" anchor="ctr"/>
+            <a:lstStyle/>
+            <a:p>
+              <a:pPr algn="ctr"/>
+              <a:r>
+                <a:rPr lang="en-US" sz="1050" dirty="0">
+                  <a:solidFill>
+                    <a:srgbClr val="7030A0"/>
+                  </a:solidFill>
+                </a:rPr>
+                <a:t>Email</a:t>
+              </a:r>
+              <a:endParaRPr lang="en-SG" sz="1050" dirty="0">
                 <a:solidFill>
                   <a:srgbClr val="7030A0"/>
                 </a:solidFill>
-              </a:rPr>
-              <a:t>UniquePersonList</a:t>
-            </a:r>
-            <a:endParaRPr lang="en-SG" sz="1050" dirty="0">
+              </a:endParaRPr>
+            </a:p>
+          </p:txBody>
+        </p:sp>
+        <p:cxnSp>
+          <p:nvCxnSpPr>
+            <p:cNvPr id="84" name="Elbow Connector 83"/>
+            <p:cNvCxnSpPr>
+              <a:stCxn id="78" idx="3"/>
+              <a:endCxn id="83" idx="1"/>
+            </p:cNvCxnSpPr>
+            <p:nvPr/>
+          </p:nvCxnSpPr>
+          <p:spPr>
+            <a:xfrm>
+              <a:off x="7277995" y="3034891"/>
+              <a:ext cx="434402" cy="318195"/>
+            </a:xfrm>
+            <a:prstGeom prst="bentConnector3">
+              <a:avLst/>
+            </a:prstGeom>
+            <a:ln w="19050">
               <a:solidFill>
                 <a:srgbClr val="7030A0"/>
               </a:solidFill>
-            </a:endParaRPr>
-          </a:p>
-        </p:txBody>
-      </p:sp>
-      <p:sp>
-        <p:nvSpPr>
-          <p:cNvPr id="51" name="Flowchart: Decision 96"/>
-          <p:cNvSpPr/>
-          <p:nvPr/>
-        </p:nvSpPr>
-        <p:spPr>
-          <a:xfrm>
-            <a:off x="4324972" y="2920532"/>
-            <a:ext cx="236048" cy="173380"/>
-          </a:xfrm>
-          <a:prstGeom prst="flowChartDecision">
-            <a:avLst/>
-          </a:prstGeom>
-          <a:solidFill>
-            <a:srgbClr val="7030A0"/>
-          </a:solidFill>
-          <a:ln w="19050">
-            <a:solidFill>
-              <a:srgbClr val="7030A0"/>
-            </a:solidFill>
-          </a:ln>
-          <a:effectLst/>
-        </p:spPr>
-        <p:style>
-          <a:lnRef idx="1">
-            <a:schemeClr val="accent6"/>
-          </a:lnRef>
-          <a:fillRef idx="2">
-            <a:schemeClr val="accent6"/>
-          </a:fillRef>
-          <a:effectRef idx="1">
-            <a:schemeClr val="accent6"/>
-          </a:effectRef>
-          <a:fontRef idx="minor">
-            <a:schemeClr val="dk1"/>
-          </a:fontRef>
-        </p:style>
-        <p:txBody>
-          <a:bodyPr rtlCol="0" anchor="ctr"/>
-          <a:lstStyle/>
-          <a:p>
-            <a:pPr algn="ctr"/>
-            <a:endParaRPr lang="en-US" sz="1050"/>
-          </a:p>
-        </p:txBody>
-      </p:sp>
-      <p:sp>
-        <p:nvSpPr>
-          <p:cNvPr id="62" name="Rectangle 8"/>
-          <p:cNvSpPr/>
-          <p:nvPr/>
-        </p:nvSpPr>
-        <p:spPr>
-          <a:xfrm>
-            <a:off x="6313677" y="2858066"/>
-            <a:ext cx="708186" cy="346760"/>
-          </a:xfrm>
-          <a:prstGeom prst="rect">
-            <a:avLst/>
-          </a:prstGeom>
-          <a:ln w="19050">
-            <a:solidFill>
-              <a:srgbClr val="7030A0"/>
-            </a:solidFill>
-          </a:ln>
-          <a:effectLst/>
-        </p:spPr>
-        <p:style>
-          <a:lnRef idx="1">
-            <a:schemeClr val="accent4"/>
-          </a:lnRef>
-          <a:fillRef idx="2">
-            <a:schemeClr val="accent4"/>
-          </a:fillRef>
-          <a:effectRef idx="1">
-            <a:schemeClr val="accent4"/>
-          </a:effectRef>
-          <a:fontRef idx="minor">
-            <a:schemeClr val="dk1"/>
-          </a:fontRef>
-        </p:style>
-        <p:txBody>
-          <a:bodyPr rtlCol="0" anchor="ctr"/>
-          <a:lstStyle/>
-          <a:p>
-            <a:pPr algn="ctr"/>
-            <a:r>
-              <a:rPr lang="en-US" sz="1050" dirty="0">
+              <a:headEnd type="none" w="med" len="med"/>
+              <a:tailEnd type="arrow" w="med" len="med"/>
+            </a:ln>
+            <a:effectLst/>
+          </p:spPr>
+          <p:style>
+            <a:lnRef idx="1">
+              <a:schemeClr val="accent2"/>
+            </a:lnRef>
+            <a:fillRef idx="2">
+              <a:schemeClr val="accent2"/>
+            </a:fillRef>
+            <a:effectRef idx="1">
+              <a:schemeClr val="accent2"/>
+            </a:effectRef>
+            <a:fontRef idx="minor">
+              <a:schemeClr val="dk1"/>
+            </a:fontRef>
+          </p:style>
+        </p:cxnSp>
+        <p:sp>
+          <p:nvSpPr>
+            <p:cNvPr id="85" name="Rectangle 8"/>
+            <p:cNvSpPr/>
+            <p:nvPr/>
+          </p:nvSpPr>
+          <p:spPr>
+            <a:xfrm>
+              <a:off x="7712397" y="3533171"/>
+              <a:ext cx="708186" cy="285783"/>
+            </a:xfrm>
+            <a:prstGeom prst="rect">
+              <a:avLst/>
+            </a:prstGeom>
+            <a:ln w="19050">
+              <a:solidFill>
+                <a:srgbClr val="7030A0"/>
+              </a:solidFill>
+            </a:ln>
+            <a:effectLst/>
+          </p:spPr>
+          <p:style>
+            <a:lnRef idx="1">
+              <a:schemeClr val="accent4"/>
+            </a:lnRef>
+            <a:fillRef idx="2">
+              <a:schemeClr val="accent4"/>
+            </a:fillRef>
+            <a:effectRef idx="1">
+              <a:schemeClr val="accent4"/>
+            </a:effectRef>
+            <a:fontRef idx="minor">
+              <a:schemeClr val="dk1"/>
+            </a:fontRef>
+          </p:style>
+          <p:txBody>
+            <a:bodyPr rtlCol="0" anchor="ctr"/>
+            <a:lstStyle/>
+            <a:p>
+              <a:pPr algn="ctr"/>
+              <a:r>
+                <a:rPr lang="en-US" sz="1050" dirty="0">
+                  <a:solidFill>
+                    <a:srgbClr val="7030A0"/>
+                  </a:solidFill>
+                </a:rPr>
+                <a:t>Address</a:t>
+              </a:r>
+              <a:endParaRPr lang="en-SG" sz="1050" dirty="0">
                 <a:solidFill>
                   <a:srgbClr val="7030A0"/>
                 </a:solidFill>
-              </a:rPr>
-              <a:t>Person</a:t>
-            </a:r>
-            <a:endParaRPr lang="en-SG" sz="1050" dirty="0">
+              </a:endParaRPr>
+            </a:p>
+          </p:txBody>
+        </p:sp>
+        <p:cxnSp>
+          <p:nvCxnSpPr>
+            <p:cNvPr id="86" name="Elbow Connector 85"/>
+            <p:cNvCxnSpPr>
+              <a:stCxn id="78" idx="3"/>
+              <a:endCxn id="85" idx="1"/>
+            </p:cNvCxnSpPr>
+            <p:nvPr/>
+          </p:nvCxnSpPr>
+          <p:spPr>
+            <a:xfrm>
+              <a:off x="7277995" y="3034891"/>
+              <a:ext cx="434402" cy="641172"/>
+            </a:xfrm>
+            <a:prstGeom prst="bentConnector3">
+              <a:avLst/>
+            </a:prstGeom>
+            <a:ln w="19050">
               <a:solidFill>
                 <a:srgbClr val="7030A0"/>
               </a:solidFill>
-            </a:endParaRPr>
-          </a:p>
-        </p:txBody>
-      </p:sp>
-      <p:sp>
-        <p:nvSpPr>
-          <p:cNvPr id="63" name="Flowchart: Decision 96"/>
-          <p:cNvSpPr/>
-          <p:nvPr/>
-        </p:nvSpPr>
-        <p:spPr>
-          <a:xfrm>
-            <a:off x="5858751" y="2941676"/>
-            <a:ext cx="236048" cy="173380"/>
-          </a:xfrm>
-          <a:prstGeom prst="flowChartDecision">
-            <a:avLst/>
-          </a:prstGeom>
-          <a:noFill/>
-          <a:ln w="19050">
+              <a:headEnd type="none" w="med" len="med"/>
+              <a:tailEnd type="arrow" w="med" len="med"/>
+            </a:ln>
+            <a:effectLst/>
+          </p:spPr>
+          <p:style>
+            <a:lnRef idx="1">
+              <a:schemeClr val="accent2"/>
+            </a:lnRef>
+            <a:fillRef idx="2">
+              <a:schemeClr val="accent2"/>
+            </a:fillRef>
+            <a:effectRef idx="1">
+              <a:schemeClr val="accent2"/>
+            </a:effectRef>
+            <a:fontRef idx="minor">
+              <a:schemeClr val="dk1"/>
+            </a:fontRef>
+          </p:style>
+        </p:cxnSp>
+        <p:cxnSp>
+          <p:nvCxnSpPr>
+            <p:cNvPr id="97" name="Elbow Connector 63"/>
+            <p:cNvCxnSpPr>
+              <a:cxnSpLocks/>
+              <a:stCxn id="99" idx="3"/>
+            </p:cNvCxnSpPr>
+            <p:nvPr/>
+          </p:nvCxnSpPr>
+          <p:spPr>
+            <a:xfrm rot="16200000" flipH="1">
+              <a:off x="3566454" y="2680653"/>
+              <a:ext cx="274076" cy="1"/>
+            </a:xfrm>
+            <a:prstGeom prst="bentConnector3">
+              <a:avLst>
+                <a:gd name="adj1" fmla="val 50000"/>
+              </a:avLst>
+            </a:prstGeom>
+            <a:ln w="19050">
+              <a:solidFill>
+                <a:srgbClr val="7030A0"/>
+              </a:solidFill>
+              <a:prstDash val="sysDot"/>
+              <a:headEnd type="none" w="med" len="med"/>
+              <a:tailEnd type="none" w="med" len="med"/>
+            </a:ln>
+            <a:effectLst/>
+          </p:spPr>
+          <p:style>
+            <a:lnRef idx="1">
+              <a:schemeClr val="accent2"/>
+            </a:lnRef>
+            <a:fillRef idx="2">
+              <a:schemeClr val="accent2"/>
+            </a:fillRef>
+            <a:effectRef idx="1">
+              <a:schemeClr val="accent2"/>
+            </a:effectRef>
+            <a:fontRef idx="minor">
+              <a:schemeClr val="dk1"/>
+            </a:fontRef>
+          </p:style>
+        </p:cxnSp>
+        <p:sp>
+          <p:nvSpPr>
+            <p:cNvPr id="99" name="Isosceles Triangle 102"/>
+            <p:cNvSpPr/>
+            <p:nvPr/>
+          </p:nvSpPr>
+          <p:spPr>
+            <a:xfrm rot="10800000" flipV="1">
+              <a:off x="3562299" y="2386554"/>
+              <a:ext cx="282387" cy="157062"/>
+            </a:xfrm>
+            <a:prstGeom prst="triangle">
+              <a:avLst/>
+            </a:prstGeom>
             <a:solidFill>
-              <a:srgbClr val="7030A0"/>
+              <a:schemeClr val="accent4">
+                <a:lumMod val="20000"/>
+                <a:lumOff val="80000"/>
+              </a:schemeClr>
             </a:solidFill>
-          </a:ln>
-          <a:effectLst/>
-        </p:spPr>
-        <p:style>
-          <a:lnRef idx="1">
-            <a:schemeClr val="accent6"/>
-          </a:lnRef>
-          <a:fillRef idx="2">
-            <a:schemeClr val="accent6"/>
-          </a:fillRef>
-          <a:effectRef idx="1">
-            <a:schemeClr val="accent6"/>
-          </a:effectRef>
-          <a:fontRef idx="minor">
-            <a:schemeClr val="dk1"/>
-          </a:fontRef>
-        </p:style>
-        <p:txBody>
-          <a:bodyPr rtlCol="0" anchor="ctr"/>
-          <a:lstStyle/>
-          <a:p>
-            <a:pPr algn="ctr"/>
-            <a:endParaRPr lang="en-US" sz="1050"/>
-          </a:p>
-        </p:txBody>
-      </p:sp>
-      <p:cxnSp>
-        <p:nvCxnSpPr>
-          <p:cNvPr id="64" name="Elbow Connector 63"/>
-          <p:cNvCxnSpPr>
-            <a:stCxn id="63" idx="3"/>
-            <a:endCxn id="62" idx="1"/>
-          </p:cNvCxnSpPr>
-          <p:nvPr/>
-        </p:nvCxnSpPr>
-        <p:spPr>
-          <a:xfrm>
-            <a:off x="6094799" y="3028366"/>
-            <a:ext cx="218878" cy="3080"/>
-          </a:xfrm>
-          <a:prstGeom prst="bentConnector3">
-            <a:avLst/>
-          </a:prstGeom>
-          <a:ln w="19050">
-            <a:solidFill>
-              <a:srgbClr val="7030A0"/>
-            </a:solidFill>
-            <a:headEnd type="none" w="med" len="med"/>
-            <a:tailEnd type="arrow" w="med" len="med"/>
-          </a:ln>
-          <a:effectLst/>
-        </p:spPr>
-        <p:style>
-          <a:lnRef idx="1">
-            <a:schemeClr val="accent2"/>
-          </a:lnRef>
-          <a:fillRef idx="2">
-            <a:schemeClr val="accent2"/>
-          </a:fillRef>
-          <a:effectRef idx="1">
-            <a:schemeClr val="accent2"/>
-          </a:effectRef>
-          <a:fontRef idx="minor">
-            <a:schemeClr val="dk1"/>
-          </a:fontRef>
-        </p:style>
-      </p:cxnSp>
-      <p:sp>
-        <p:nvSpPr>
-          <p:cNvPr id="76" name="Rectangle 8"/>
-          <p:cNvSpPr/>
-          <p:nvPr/>
-        </p:nvSpPr>
-        <p:spPr>
-          <a:xfrm>
-            <a:off x="7712397" y="2564238"/>
-            <a:ext cx="708186" cy="285783"/>
-          </a:xfrm>
-          <a:prstGeom prst="rect">
-            <a:avLst/>
-          </a:prstGeom>
-          <a:ln w="19050">
-            <a:solidFill>
-              <a:srgbClr val="7030A0"/>
-            </a:solidFill>
-          </a:ln>
-          <a:effectLst/>
-        </p:spPr>
-        <p:style>
-          <a:lnRef idx="1">
-            <a:schemeClr val="accent4"/>
-          </a:lnRef>
-          <a:fillRef idx="2">
-            <a:schemeClr val="accent4"/>
-          </a:fillRef>
-          <a:effectRef idx="1">
-            <a:schemeClr val="accent4"/>
-          </a:effectRef>
-          <a:fontRef idx="minor">
-            <a:schemeClr val="dk1"/>
-          </a:fontRef>
-        </p:style>
-        <p:txBody>
-          <a:bodyPr rtlCol="0" anchor="ctr"/>
-          <a:lstStyle/>
-          <a:p>
-            <a:pPr algn="ctr"/>
-            <a:r>
-              <a:rPr lang="en-US" sz="1050" dirty="0">
+            <a:ln w="19050">
+              <a:solidFill>
+                <a:srgbClr val="7030A0"/>
+              </a:solidFill>
+            </a:ln>
+            <a:effectLst/>
+          </p:spPr>
+          <p:style>
+            <a:lnRef idx="1">
+              <a:schemeClr val="accent4"/>
+            </a:lnRef>
+            <a:fillRef idx="2">
+              <a:schemeClr val="accent4"/>
+            </a:fillRef>
+            <a:effectRef idx="1">
+              <a:schemeClr val="accent4"/>
+            </a:effectRef>
+            <a:fontRef idx="minor">
+              <a:schemeClr val="dk1"/>
+            </a:fontRef>
+          </p:style>
+          <p:txBody>
+            <a:bodyPr rtlCol="0" anchor="ctr"/>
+            <a:lstStyle/>
+            <a:p>
+              <a:pPr algn="ctr"/>
+              <a:endParaRPr lang="en-SG" sz="1050" b="1">
+                <a:solidFill>
+                  <a:srgbClr val="92D050"/>
+                </a:solidFill>
+              </a:endParaRPr>
+            </a:p>
+          </p:txBody>
+        </p:sp>
+        <p:sp>
+          <p:nvSpPr>
+            <p:cNvPr id="100" name="Rectangle 8"/>
+            <p:cNvSpPr/>
+            <p:nvPr/>
+          </p:nvSpPr>
+          <p:spPr>
+            <a:xfrm>
+              <a:off x="1260922" y="1998350"/>
+              <a:ext cx="1443661" cy="364396"/>
+            </a:xfrm>
+            <a:prstGeom prst="rect">
+              <a:avLst/>
+            </a:prstGeom>
+            <a:ln w="19050">
+              <a:solidFill>
+                <a:srgbClr val="7030A0"/>
+              </a:solidFill>
+            </a:ln>
+            <a:effectLst/>
+          </p:spPr>
+          <p:style>
+            <a:lnRef idx="1">
+              <a:schemeClr val="accent4"/>
+            </a:lnRef>
+            <a:fillRef idx="2">
+              <a:schemeClr val="accent4"/>
+            </a:fillRef>
+            <a:effectRef idx="1">
+              <a:schemeClr val="accent4"/>
+            </a:effectRef>
+            <a:fontRef idx="minor">
+              <a:schemeClr val="dk1"/>
+            </a:fontRef>
+          </p:style>
+          <p:txBody>
+            <a:bodyPr rtlCol="0" anchor="ctr"/>
+            <a:lstStyle/>
+            <a:p>
+              <a:pPr algn="ctr"/>
+              <a:r>
+                <a:rPr lang="en-US" sz="1050" dirty="0">
+                  <a:solidFill>
+                    <a:srgbClr val="7030A0"/>
+                  </a:solidFill>
+                </a:rPr>
+                <a:t>&lt;&lt;interface&gt;&gt;</a:t>
+              </a:r>
+              <a:br>
+                <a:rPr lang="en-US" sz="1050" dirty="0">
+                  <a:solidFill>
+                    <a:srgbClr val="7030A0"/>
+                  </a:solidFill>
+                </a:rPr>
+              </a:br>
+              <a:r>
+                <a:rPr lang="en-US" sz="1050" dirty="0" err="1">
+                  <a:solidFill>
+                    <a:srgbClr val="7030A0"/>
+                  </a:solidFill>
+                </a:rPr>
+                <a:t>ReadOnlyAddressBook</a:t>
+              </a:r>
+              <a:endParaRPr lang="en-SG" sz="1050" dirty="0">
                 <a:solidFill>
                   <a:srgbClr val="7030A0"/>
                 </a:solidFill>
-              </a:rPr>
-              <a:t>Name</a:t>
-            </a:r>
-            <a:endParaRPr lang="en-SG" sz="1050" dirty="0">
+              </a:endParaRPr>
+            </a:p>
+          </p:txBody>
+        </p:sp>
+        <p:sp>
+          <p:nvSpPr>
+            <p:cNvPr id="114" name="TextBox 113"/>
+            <p:cNvSpPr txBox="1"/>
+            <p:nvPr/>
+          </p:nvSpPr>
+          <p:spPr>
+            <a:xfrm rot="16200000">
+              <a:off x="6362886" y="3586305"/>
+              <a:ext cx="881018" cy="261610"/>
+            </a:xfrm>
+            <a:prstGeom prst="rect">
+              <a:avLst/>
+            </a:prstGeom>
+            <a:noFill/>
+          </p:spPr>
+          <p:txBody>
+            <a:bodyPr wrap="square" rtlCol="0">
+              <a:spAutoFit/>
+            </a:bodyPr>
+            <a:lstStyle/>
+            <a:p>
+              <a:pPr algn="r"/>
+              <a:r>
+                <a:rPr lang="en-US" sz="1100" dirty="0">
+                  <a:solidFill>
+                    <a:srgbClr val="7030A0"/>
+                  </a:solidFill>
+                </a:rPr>
+                <a:t>filtered list</a:t>
+              </a:r>
+              <a:endParaRPr lang="en-SG" sz="1100" dirty="0">
+                <a:solidFill>
+                  <a:srgbClr val="7030A0"/>
+                </a:solidFill>
+              </a:endParaRPr>
+            </a:p>
+          </p:txBody>
+        </p:sp>
+        <p:sp>
+          <p:nvSpPr>
+            <p:cNvPr id="122" name="Rectangle 8"/>
+            <p:cNvSpPr/>
+            <p:nvPr/>
+          </p:nvSpPr>
+          <p:spPr>
+            <a:xfrm>
+              <a:off x="2057401" y="4239491"/>
+              <a:ext cx="1066800" cy="346760"/>
+            </a:xfrm>
+            <a:prstGeom prst="rect">
+              <a:avLst/>
+            </a:prstGeom>
+            <a:ln w="19050">
               <a:solidFill>
                 <a:srgbClr val="7030A0"/>
               </a:solidFill>
-            </a:endParaRPr>
-          </a:p>
-        </p:txBody>
-      </p:sp>
-      <p:sp>
-        <p:nvSpPr>
-          <p:cNvPr id="78" name="Flowchart: Decision 96"/>
-          <p:cNvSpPr/>
-          <p:nvPr/>
-        </p:nvSpPr>
-        <p:spPr>
-          <a:xfrm>
-            <a:off x="7041947" y="2948201"/>
-            <a:ext cx="236048" cy="173380"/>
-          </a:xfrm>
-          <a:prstGeom prst="flowChartDecision">
-            <a:avLst/>
-          </a:prstGeom>
-          <a:solidFill>
-            <a:srgbClr val="7030A0"/>
-          </a:solidFill>
-          <a:ln w="19050">
-            <a:solidFill>
-              <a:srgbClr val="7030A0"/>
-            </a:solidFill>
-          </a:ln>
-          <a:effectLst/>
-        </p:spPr>
-        <p:style>
-          <a:lnRef idx="1">
-            <a:schemeClr val="accent6"/>
-          </a:lnRef>
-          <a:fillRef idx="2">
-            <a:schemeClr val="accent6"/>
-          </a:fillRef>
-          <a:effectRef idx="1">
-            <a:schemeClr val="accent6"/>
-          </a:effectRef>
-          <a:fontRef idx="minor">
-            <a:schemeClr val="dk1"/>
-          </a:fontRef>
-        </p:style>
-        <p:txBody>
-          <a:bodyPr rtlCol="0" anchor="ctr"/>
-          <a:lstStyle/>
-          <a:p>
-            <a:pPr algn="ctr"/>
-            <a:endParaRPr lang="en-US" sz="1050"/>
-          </a:p>
-        </p:txBody>
-      </p:sp>
-      <p:cxnSp>
-        <p:nvCxnSpPr>
-          <p:cNvPr id="79" name="Elbow Connector 78"/>
-          <p:cNvCxnSpPr>
-            <a:cxnSpLocks/>
-          </p:cNvCxnSpPr>
-          <p:nvPr/>
-        </p:nvCxnSpPr>
-        <p:spPr>
-          <a:xfrm flipV="1">
-            <a:off x="7277995" y="2706821"/>
-            <a:ext cx="434402" cy="327761"/>
-          </a:xfrm>
-          <a:prstGeom prst="bentConnector3">
-            <a:avLst/>
-          </a:prstGeom>
-          <a:ln w="19050">
-            <a:solidFill>
-              <a:srgbClr val="7030A0"/>
-            </a:solidFill>
-            <a:headEnd type="none" w="med" len="med"/>
-            <a:tailEnd type="arrow" w="med" len="med"/>
-          </a:ln>
-          <a:effectLst/>
-        </p:spPr>
-        <p:style>
-          <a:lnRef idx="1">
-            <a:schemeClr val="accent2"/>
-          </a:lnRef>
-          <a:fillRef idx="2">
-            <a:schemeClr val="accent2"/>
-          </a:fillRef>
-          <a:effectRef idx="1">
-            <a:schemeClr val="accent2"/>
-          </a:effectRef>
-          <a:fontRef idx="minor">
-            <a:schemeClr val="dk1"/>
-          </a:fontRef>
-        </p:style>
-      </p:cxnSp>
-      <p:sp>
-        <p:nvSpPr>
-          <p:cNvPr id="80" name="Rectangle 8"/>
-          <p:cNvSpPr/>
-          <p:nvPr/>
-        </p:nvSpPr>
-        <p:spPr>
-          <a:xfrm>
-            <a:off x="7712397" y="2887216"/>
-            <a:ext cx="708186" cy="285783"/>
-          </a:xfrm>
-          <a:prstGeom prst="rect">
-            <a:avLst/>
-          </a:prstGeom>
-          <a:ln w="19050">
-            <a:solidFill>
-              <a:srgbClr val="7030A0"/>
-            </a:solidFill>
-          </a:ln>
-          <a:effectLst/>
-        </p:spPr>
-        <p:style>
-          <a:lnRef idx="1">
-            <a:schemeClr val="accent4"/>
-          </a:lnRef>
-          <a:fillRef idx="2">
-            <a:schemeClr val="accent4"/>
-          </a:fillRef>
-          <a:effectRef idx="1">
-            <a:schemeClr val="accent4"/>
-          </a:effectRef>
-          <a:fontRef idx="minor">
-            <a:schemeClr val="dk1"/>
-          </a:fontRef>
-        </p:style>
-        <p:txBody>
-          <a:bodyPr rtlCol="0" anchor="ctr"/>
-          <a:lstStyle/>
-          <a:p>
-            <a:pPr algn="ctr"/>
-            <a:r>
-              <a:rPr lang="en-US" sz="1050" dirty="0">
+            </a:ln>
+            <a:effectLst/>
+          </p:spPr>
+          <p:style>
+            <a:lnRef idx="1">
+              <a:schemeClr val="accent4"/>
+            </a:lnRef>
+            <a:fillRef idx="2">
+              <a:schemeClr val="accent4"/>
+            </a:fillRef>
+            <a:effectRef idx="1">
+              <a:schemeClr val="accent4"/>
+            </a:effectRef>
+            <a:fontRef idx="minor">
+              <a:schemeClr val="dk1"/>
+            </a:fontRef>
+          </p:style>
+          <p:txBody>
+            <a:bodyPr rtlCol="0" anchor="ctr"/>
+            <a:lstStyle/>
+            <a:p>
+              <a:pPr algn="ctr"/>
+              <a:r>
+                <a:rPr lang="en-US" sz="1050" dirty="0">
+                  <a:solidFill>
+                    <a:srgbClr val="7030A0"/>
+                  </a:solidFill>
+                </a:rPr>
+                <a:t>&lt;&lt;interface&gt;&gt;</a:t>
+              </a:r>
+              <a:br>
+                <a:rPr lang="en-US" sz="1050">
+                  <a:solidFill>
+                    <a:srgbClr val="7030A0"/>
+                  </a:solidFill>
+                </a:rPr>
+              </a:br>
+              <a:r>
+                <a:rPr lang="en-US" sz="1050" dirty="0" err="1">
+                  <a:solidFill>
+                    <a:srgbClr val="7030A0"/>
+                  </a:solidFill>
+                </a:rPr>
+                <a:t>ObservableList</a:t>
+              </a:r>
+              <a:endParaRPr lang="en-SG" sz="1050" dirty="0">
                 <a:solidFill>
                   <a:srgbClr val="7030A0"/>
                 </a:solidFill>
-              </a:rPr>
-              <a:t>Phone</a:t>
-            </a:r>
-            <a:endParaRPr lang="en-SG" sz="1050" dirty="0">
+              </a:endParaRPr>
+            </a:p>
+          </p:txBody>
+        </p:sp>
+        <p:cxnSp>
+          <p:nvCxnSpPr>
+            <p:cNvPr id="124" name="Elbow Connector 122"/>
+            <p:cNvCxnSpPr>
+              <a:stCxn id="119" idx="1"/>
+              <a:endCxn id="122" idx="1"/>
+            </p:cNvCxnSpPr>
+            <p:nvPr/>
+          </p:nvCxnSpPr>
+          <p:spPr>
+            <a:xfrm rot="16200000" flipH="1">
+              <a:off x="1364475" y="3719944"/>
+              <a:ext cx="831471" cy="554381"/>
+            </a:xfrm>
+            <a:prstGeom prst="bentConnector2">
+              <a:avLst/>
+            </a:prstGeom>
+            <a:ln w="19050">
               <a:solidFill>
                 <a:srgbClr val="7030A0"/>
               </a:solidFill>
-            </a:endParaRPr>
-          </a:p>
-        </p:txBody>
-      </p:sp>
-      <p:cxnSp>
-        <p:nvCxnSpPr>
-          <p:cNvPr id="81" name="Elbow Connector 80"/>
-          <p:cNvCxnSpPr>
-            <a:stCxn id="78" idx="3"/>
-            <a:endCxn id="80" idx="1"/>
-          </p:cNvCxnSpPr>
-          <p:nvPr/>
-        </p:nvCxnSpPr>
-        <p:spPr>
-          <a:xfrm flipV="1">
-            <a:off x="7277995" y="3030108"/>
-            <a:ext cx="434402" cy="4783"/>
-          </a:xfrm>
-          <a:prstGeom prst="bentConnector3">
-            <a:avLst/>
-          </a:prstGeom>
-          <a:ln w="19050">
-            <a:solidFill>
-              <a:srgbClr val="7030A0"/>
-            </a:solidFill>
-            <a:headEnd type="none" w="med" len="med"/>
-            <a:tailEnd type="arrow" w="med" len="med"/>
-          </a:ln>
-          <a:effectLst/>
-        </p:spPr>
-        <p:style>
-          <a:lnRef idx="1">
-            <a:schemeClr val="accent2"/>
-          </a:lnRef>
-          <a:fillRef idx="2">
-            <a:schemeClr val="accent2"/>
-          </a:fillRef>
-          <a:effectRef idx="1">
-            <a:schemeClr val="accent2"/>
-          </a:effectRef>
-          <a:fontRef idx="minor">
-            <a:schemeClr val="dk1"/>
-          </a:fontRef>
-        </p:style>
-      </p:cxnSp>
-      <p:sp>
-        <p:nvSpPr>
-          <p:cNvPr id="83" name="Rectangle 8"/>
-          <p:cNvSpPr/>
-          <p:nvPr/>
-        </p:nvSpPr>
-        <p:spPr>
-          <a:xfrm>
-            <a:off x="7712397" y="3210194"/>
-            <a:ext cx="708186" cy="285783"/>
-          </a:xfrm>
-          <a:prstGeom prst="rect">
-            <a:avLst/>
-          </a:prstGeom>
-          <a:ln w="19050">
-            <a:solidFill>
-              <a:srgbClr val="7030A0"/>
-            </a:solidFill>
-          </a:ln>
-          <a:effectLst/>
-        </p:spPr>
-        <p:style>
-          <a:lnRef idx="1">
-            <a:schemeClr val="accent4"/>
-          </a:lnRef>
-          <a:fillRef idx="2">
-            <a:schemeClr val="accent4"/>
-          </a:fillRef>
-          <a:effectRef idx="1">
-            <a:schemeClr val="accent4"/>
-          </a:effectRef>
-          <a:fontRef idx="minor">
-            <a:schemeClr val="dk1"/>
-          </a:fontRef>
-        </p:style>
-        <p:txBody>
-          <a:bodyPr rtlCol="0" anchor="ctr"/>
-          <a:lstStyle/>
-          <a:p>
-            <a:pPr algn="ctr"/>
-            <a:r>
-              <a:rPr lang="en-US" sz="1050" dirty="0">
+              <a:prstDash val="sysDot"/>
+              <a:headEnd type="none" w="med" len="med"/>
+              <a:tailEnd type="arrow" w="med" len="med"/>
+            </a:ln>
+            <a:effectLst/>
+          </p:spPr>
+          <p:style>
+            <a:lnRef idx="1">
+              <a:schemeClr val="accent2"/>
+            </a:lnRef>
+            <a:fillRef idx="2">
+              <a:schemeClr val="accent2"/>
+            </a:fillRef>
+            <a:effectRef idx="1">
+              <a:schemeClr val="accent2"/>
+            </a:effectRef>
+            <a:fontRef idx="minor">
+              <a:schemeClr val="dk1"/>
+            </a:fontRef>
+          </p:style>
+        </p:cxnSp>
+        <p:sp>
+          <p:nvSpPr>
+            <p:cNvPr id="54" name="TextBox 53"/>
+            <p:cNvSpPr txBox="1"/>
+            <p:nvPr/>
+          </p:nvSpPr>
+          <p:spPr>
+            <a:xfrm>
+              <a:off x="4429979" y="3111479"/>
+              <a:ext cx="189257" cy="178683"/>
+            </a:xfrm>
+            <a:prstGeom prst="rect">
+              <a:avLst/>
+            </a:prstGeom>
+            <a:noFill/>
+          </p:spPr>
+          <p:txBody>
+            <a:bodyPr wrap="square" lIns="0" tIns="0" rIns="0" bIns="0" rtlCol="0">
+              <a:noAutofit/>
+            </a:bodyPr>
+            <a:lstStyle/>
+            <a:p>
+              <a:pPr algn="ctr"/>
+              <a:r>
+                <a:rPr lang="en-US" sz="1100" dirty="0">
+                  <a:solidFill>
+                    <a:srgbClr val="7030A0"/>
+                  </a:solidFill>
+                </a:rPr>
+                <a:t>1</a:t>
+              </a:r>
+              <a:endParaRPr lang="en-SG" sz="1100" dirty="0">
                 <a:solidFill>
                   <a:srgbClr val="7030A0"/>
                 </a:solidFill>
-              </a:rPr>
-              <a:t>Email</a:t>
-            </a:r>
-            <a:endParaRPr lang="en-SG" sz="1050" dirty="0">
+              </a:endParaRPr>
+            </a:p>
+          </p:txBody>
+        </p:sp>
+        <p:sp>
+          <p:nvSpPr>
+            <p:cNvPr id="61" name="TextBox 60"/>
+            <p:cNvSpPr txBox="1"/>
+            <p:nvPr/>
+          </p:nvSpPr>
+          <p:spPr>
+            <a:xfrm>
+              <a:off x="6135256" y="3097917"/>
+              <a:ext cx="189257" cy="178683"/>
+            </a:xfrm>
+            <a:prstGeom prst="rect">
+              <a:avLst/>
+            </a:prstGeom>
+            <a:noFill/>
+          </p:spPr>
+          <p:txBody>
+            <a:bodyPr wrap="square" lIns="0" tIns="0" rIns="0" bIns="0" rtlCol="0">
+              <a:noAutofit/>
+            </a:bodyPr>
+            <a:lstStyle/>
+            <a:p>
+              <a:pPr algn="ctr"/>
+              <a:r>
+                <a:rPr lang="en-US" sz="1100" dirty="0">
+                  <a:solidFill>
+                    <a:srgbClr val="7030A0"/>
+                  </a:solidFill>
+                </a:rPr>
+                <a:t>*</a:t>
+              </a:r>
+              <a:endParaRPr lang="en-SG" sz="1100" dirty="0">
+                <a:solidFill>
+                  <a:srgbClr val="7030A0"/>
+                </a:solidFill>
+              </a:endParaRPr>
+            </a:p>
+          </p:txBody>
+        </p:sp>
+        <p:sp>
+          <p:nvSpPr>
+            <p:cNvPr id="65" name="TextBox 64"/>
+            <p:cNvSpPr txBox="1"/>
+            <p:nvPr/>
+          </p:nvSpPr>
+          <p:spPr>
+            <a:xfrm>
+              <a:off x="2573394" y="2756715"/>
+              <a:ext cx="170110" cy="137542"/>
+            </a:xfrm>
+            <a:prstGeom prst="rect">
+              <a:avLst/>
+            </a:prstGeom>
+            <a:noFill/>
+          </p:spPr>
+          <p:txBody>
+            <a:bodyPr wrap="square" lIns="0" tIns="0" rIns="0" bIns="0" rtlCol="0">
+              <a:noAutofit/>
+            </a:bodyPr>
+            <a:lstStyle/>
+            <a:p>
+              <a:pPr algn="ctr"/>
+              <a:r>
+                <a:rPr lang="en-US" sz="1100" dirty="0">
+                  <a:solidFill>
+                    <a:srgbClr val="7030A0"/>
+                  </a:solidFill>
+                </a:rPr>
+                <a:t>1</a:t>
+              </a:r>
+              <a:endParaRPr lang="en-SG" sz="1100" dirty="0">
+                <a:solidFill>
+                  <a:srgbClr val="7030A0"/>
+                </a:solidFill>
+              </a:endParaRPr>
+            </a:p>
+          </p:txBody>
+        </p:sp>
+        <p:sp>
+          <p:nvSpPr>
+            <p:cNvPr id="66" name="TextBox 65"/>
+            <p:cNvSpPr txBox="1"/>
+            <p:nvPr/>
+          </p:nvSpPr>
+          <p:spPr>
+            <a:xfrm>
+              <a:off x="2630191" y="3667737"/>
+              <a:ext cx="189257" cy="178683"/>
+            </a:xfrm>
+            <a:prstGeom prst="rect">
+              <a:avLst/>
+            </a:prstGeom>
+            <a:noFill/>
+          </p:spPr>
+          <p:txBody>
+            <a:bodyPr wrap="square" lIns="0" tIns="0" rIns="0" bIns="0" rtlCol="0">
+              <a:noAutofit/>
+            </a:bodyPr>
+            <a:lstStyle/>
+            <a:p>
+              <a:pPr algn="ctr"/>
+              <a:r>
+                <a:rPr lang="en-US" sz="1100" dirty="0">
+                  <a:solidFill>
+                    <a:srgbClr val="7030A0"/>
+                  </a:solidFill>
+                </a:rPr>
+                <a:t>1</a:t>
+              </a:r>
+              <a:endParaRPr lang="en-SG" sz="1100" dirty="0">
+                <a:solidFill>
+                  <a:srgbClr val="7030A0"/>
+                </a:solidFill>
+              </a:endParaRPr>
+            </a:p>
+          </p:txBody>
+        </p:sp>
+        <p:sp>
+          <p:nvSpPr>
+            <p:cNvPr id="70" name="TextBox 69"/>
+            <p:cNvSpPr txBox="1"/>
+            <p:nvPr/>
+          </p:nvSpPr>
+          <p:spPr>
+            <a:xfrm>
+              <a:off x="6449896" y="3204826"/>
+              <a:ext cx="189257" cy="178683"/>
+            </a:xfrm>
+            <a:prstGeom prst="rect">
+              <a:avLst/>
+            </a:prstGeom>
+            <a:noFill/>
+          </p:spPr>
+          <p:txBody>
+            <a:bodyPr wrap="square" lIns="0" tIns="0" rIns="0" bIns="0" rtlCol="0">
+              <a:noAutofit/>
+            </a:bodyPr>
+            <a:lstStyle/>
+            <a:p>
+              <a:pPr algn="ctr"/>
+              <a:r>
+                <a:rPr lang="en-US" sz="1100" dirty="0">
+                  <a:solidFill>
+                    <a:srgbClr val="7030A0"/>
+                  </a:solidFill>
+                </a:rPr>
+                <a:t>1</a:t>
+              </a:r>
+              <a:endParaRPr lang="en-SG" sz="1100" dirty="0">
+                <a:solidFill>
+                  <a:srgbClr val="7030A0"/>
+                </a:solidFill>
+              </a:endParaRPr>
+            </a:p>
+          </p:txBody>
+        </p:sp>
+        <p:sp>
+          <p:nvSpPr>
+            <p:cNvPr id="52" name="Rectangle 8">
+              <a:extLst>
+                <a:ext uri="{FF2B5EF4-FFF2-40B4-BE49-F238E27FC236}">
+                  <a16:creationId xmlns:a16="http://schemas.microsoft.com/office/drawing/2014/main" id="{ABDCDBD2-131A-4B66-A2F2-43BBEE82C773}"/>
+                </a:ext>
+              </a:extLst>
+            </p:cNvPr>
+            <p:cNvSpPr/>
+            <p:nvPr/>
+          </p:nvSpPr>
+          <p:spPr>
+            <a:xfrm>
+              <a:off x="7712397" y="2228817"/>
+              <a:ext cx="708186" cy="285783"/>
+            </a:xfrm>
+            <a:prstGeom prst="rect">
+              <a:avLst/>
+            </a:prstGeom>
+            <a:ln w="19050">
               <a:solidFill>
                 <a:srgbClr val="7030A0"/>
               </a:solidFill>
-            </a:endParaRPr>
-          </a:p>
-        </p:txBody>
-      </p:sp>
-      <p:cxnSp>
-        <p:nvCxnSpPr>
-          <p:cNvPr id="84" name="Elbow Connector 83"/>
-          <p:cNvCxnSpPr>
-            <a:stCxn id="78" idx="3"/>
-            <a:endCxn id="83" idx="1"/>
-          </p:cNvCxnSpPr>
-          <p:nvPr/>
-        </p:nvCxnSpPr>
-        <p:spPr>
-          <a:xfrm>
-            <a:off x="7277995" y="3034891"/>
-            <a:ext cx="434402" cy="318195"/>
-          </a:xfrm>
-          <a:prstGeom prst="bentConnector3">
-            <a:avLst/>
-          </a:prstGeom>
-          <a:ln w="19050">
-            <a:solidFill>
-              <a:srgbClr val="7030A0"/>
-            </a:solidFill>
-            <a:headEnd type="none" w="med" len="med"/>
-            <a:tailEnd type="arrow" w="med" len="med"/>
-          </a:ln>
-          <a:effectLst/>
-        </p:spPr>
-        <p:style>
-          <a:lnRef idx="1">
-            <a:schemeClr val="accent2"/>
-          </a:lnRef>
-          <a:fillRef idx="2">
-            <a:schemeClr val="accent2"/>
-          </a:fillRef>
-          <a:effectRef idx="1">
-            <a:schemeClr val="accent2"/>
-          </a:effectRef>
-          <a:fontRef idx="minor">
-            <a:schemeClr val="dk1"/>
-          </a:fontRef>
-        </p:style>
-      </p:cxnSp>
-      <p:sp>
-        <p:nvSpPr>
-          <p:cNvPr id="85" name="Rectangle 8"/>
-          <p:cNvSpPr/>
-          <p:nvPr/>
-        </p:nvSpPr>
-        <p:spPr>
-          <a:xfrm>
-            <a:off x="7712397" y="3533171"/>
-            <a:ext cx="708186" cy="285783"/>
-          </a:xfrm>
-          <a:prstGeom prst="rect">
-            <a:avLst/>
-          </a:prstGeom>
-          <a:ln w="19050">
-            <a:solidFill>
-              <a:srgbClr val="7030A0"/>
-            </a:solidFill>
-          </a:ln>
-          <a:effectLst/>
-        </p:spPr>
-        <p:style>
-          <a:lnRef idx="1">
-            <a:schemeClr val="accent4"/>
-          </a:lnRef>
-          <a:fillRef idx="2">
-            <a:schemeClr val="accent4"/>
-          </a:fillRef>
-          <a:effectRef idx="1">
-            <a:schemeClr val="accent4"/>
-          </a:effectRef>
-          <a:fontRef idx="minor">
-            <a:schemeClr val="dk1"/>
-          </a:fontRef>
-        </p:style>
-        <p:txBody>
-          <a:bodyPr rtlCol="0" anchor="ctr"/>
-          <a:lstStyle/>
-          <a:p>
-            <a:pPr algn="ctr"/>
-            <a:r>
-              <a:rPr lang="en-US" sz="1050" dirty="0">
+            </a:ln>
+            <a:effectLst/>
+          </p:spPr>
+          <p:style>
+            <a:lnRef idx="1">
+              <a:schemeClr val="accent4"/>
+            </a:lnRef>
+            <a:fillRef idx="2">
+              <a:schemeClr val="accent4"/>
+            </a:fillRef>
+            <a:effectRef idx="1">
+              <a:schemeClr val="accent4"/>
+            </a:effectRef>
+            <a:fontRef idx="minor">
+              <a:schemeClr val="dk1"/>
+            </a:fontRef>
+          </p:style>
+          <p:txBody>
+            <a:bodyPr rtlCol="0" anchor="ctr"/>
+            <a:lstStyle/>
+            <a:p>
+              <a:pPr algn="ctr"/>
+              <a:r>
+                <a:rPr lang="en-US" sz="1050" dirty="0">
+                  <a:solidFill>
+                    <a:srgbClr val="7030A0"/>
+                  </a:solidFill>
+                </a:rPr>
+                <a:t>Tag</a:t>
+              </a:r>
+              <a:endParaRPr lang="en-SG" sz="1050" dirty="0">
                 <a:solidFill>
                   <a:srgbClr val="7030A0"/>
                 </a:solidFill>
-              </a:rPr>
-              <a:t>Address</a:t>
-            </a:r>
-            <a:endParaRPr lang="en-SG" sz="1050" dirty="0">
+              </a:endParaRPr>
+            </a:p>
+          </p:txBody>
+        </p:sp>
+        <p:cxnSp>
+          <p:nvCxnSpPr>
+            <p:cNvPr id="53" name="Elbow Connector 78">
+              <a:extLst>
+                <a:ext uri="{FF2B5EF4-FFF2-40B4-BE49-F238E27FC236}">
+                  <a16:creationId xmlns:a16="http://schemas.microsoft.com/office/drawing/2014/main" id="{B97967F8-618A-448B-81FD-CDFD4AF0EC64}"/>
+                </a:ext>
+              </a:extLst>
+            </p:cNvPr>
+            <p:cNvCxnSpPr>
+              <a:cxnSpLocks/>
+              <a:stCxn id="78" idx="3"/>
+              <a:endCxn id="52" idx="1"/>
+            </p:cNvCxnSpPr>
+            <p:nvPr/>
+          </p:nvCxnSpPr>
+          <p:spPr>
+            <a:xfrm flipV="1">
+              <a:off x="7277995" y="2371709"/>
+              <a:ext cx="434402" cy="663182"/>
+            </a:xfrm>
+            <a:prstGeom prst="bentConnector3">
+              <a:avLst>
+                <a:gd name="adj1" fmla="val 50000"/>
+              </a:avLst>
+            </a:prstGeom>
+            <a:ln w="19050">
               <a:solidFill>
                 <a:srgbClr val="7030A0"/>
               </a:solidFill>
-            </a:endParaRPr>
-          </a:p>
-        </p:txBody>
-      </p:sp>
-      <p:cxnSp>
-        <p:nvCxnSpPr>
-          <p:cNvPr id="86" name="Elbow Connector 85"/>
-          <p:cNvCxnSpPr>
-            <a:stCxn id="78" idx="3"/>
-            <a:endCxn id="85" idx="1"/>
-          </p:cNvCxnSpPr>
-          <p:nvPr/>
-        </p:nvCxnSpPr>
-        <p:spPr>
-          <a:xfrm>
-            <a:off x="7277995" y="3034891"/>
-            <a:ext cx="434402" cy="641172"/>
-          </a:xfrm>
-          <a:prstGeom prst="bentConnector3">
-            <a:avLst/>
-          </a:prstGeom>
-          <a:ln w="19050">
-            <a:solidFill>
-              <a:srgbClr val="7030A0"/>
-            </a:solidFill>
-            <a:headEnd type="none" w="med" len="med"/>
-            <a:tailEnd type="arrow" w="med" len="med"/>
-          </a:ln>
-          <a:effectLst/>
-        </p:spPr>
-        <p:style>
-          <a:lnRef idx="1">
-            <a:schemeClr val="accent2"/>
-          </a:lnRef>
-          <a:fillRef idx="2">
-            <a:schemeClr val="accent2"/>
-          </a:fillRef>
-          <a:effectRef idx="1">
-            <a:schemeClr val="accent2"/>
-          </a:effectRef>
-          <a:fontRef idx="minor">
-            <a:schemeClr val="dk1"/>
-          </a:fontRef>
-        </p:style>
-      </p:cxnSp>
-      <p:cxnSp>
-        <p:nvCxnSpPr>
-          <p:cNvPr id="97" name="Elbow Connector 63"/>
-          <p:cNvCxnSpPr>
-            <a:cxnSpLocks/>
-            <a:stCxn id="99" idx="3"/>
-          </p:cNvCxnSpPr>
-          <p:nvPr/>
-        </p:nvCxnSpPr>
-        <p:spPr>
-          <a:xfrm rot="16200000" flipH="1">
-            <a:off x="3566454" y="2680653"/>
-            <a:ext cx="274076" cy="1"/>
-          </a:xfrm>
-          <a:prstGeom prst="bentConnector3">
-            <a:avLst>
-              <a:gd name="adj1" fmla="val 50000"/>
-            </a:avLst>
-          </a:prstGeom>
-          <a:ln w="19050">
-            <a:solidFill>
-              <a:srgbClr val="7030A0"/>
-            </a:solidFill>
-            <a:prstDash val="sysDot"/>
-            <a:headEnd type="none" w="med" len="med"/>
-            <a:tailEnd type="none" w="med" len="med"/>
-          </a:ln>
-          <a:effectLst/>
-        </p:spPr>
-        <p:style>
-          <a:lnRef idx="1">
-            <a:schemeClr val="accent2"/>
-          </a:lnRef>
-          <a:fillRef idx="2">
-            <a:schemeClr val="accent2"/>
-          </a:fillRef>
-          <a:effectRef idx="1">
-            <a:schemeClr val="accent2"/>
-          </a:effectRef>
-          <a:fontRef idx="minor">
-            <a:schemeClr val="dk1"/>
-          </a:fontRef>
-        </p:style>
-      </p:cxnSp>
-      <p:sp>
-        <p:nvSpPr>
-          <p:cNvPr id="99" name="Isosceles Triangle 102"/>
-          <p:cNvSpPr/>
-          <p:nvPr/>
-        </p:nvSpPr>
-        <p:spPr>
-          <a:xfrm rot="10800000" flipV="1">
-            <a:off x="3562299" y="2386554"/>
-            <a:ext cx="282387" cy="157062"/>
-          </a:xfrm>
-          <a:prstGeom prst="triangle">
-            <a:avLst/>
-          </a:prstGeom>
-          <a:solidFill>
-            <a:schemeClr val="accent4">
-              <a:lumMod val="20000"/>
-              <a:lumOff val="80000"/>
-            </a:schemeClr>
-          </a:solidFill>
-          <a:ln w="19050">
-            <a:solidFill>
-              <a:srgbClr val="7030A0"/>
-            </a:solidFill>
-          </a:ln>
-          <a:effectLst/>
-        </p:spPr>
-        <p:style>
-          <a:lnRef idx="1">
-            <a:schemeClr val="accent4"/>
-          </a:lnRef>
-          <a:fillRef idx="2">
-            <a:schemeClr val="accent4"/>
-          </a:fillRef>
-          <a:effectRef idx="1">
-            <a:schemeClr val="accent4"/>
-          </a:effectRef>
-          <a:fontRef idx="minor">
-            <a:schemeClr val="dk1"/>
-          </a:fontRef>
-        </p:style>
-        <p:txBody>
-          <a:bodyPr rtlCol="0" anchor="ctr"/>
-          <a:lstStyle/>
-          <a:p>
-            <a:pPr algn="ctr"/>
-            <a:endParaRPr lang="en-SG" sz="1050" b="1">
-              <a:solidFill>
-                <a:srgbClr val="92D050"/>
-              </a:solidFill>
-            </a:endParaRPr>
-          </a:p>
-        </p:txBody>
-      </p:sp>
-      <p:sp>
-        <p:nvSpPr>
-          <p:cNvPr id="100" name="Rectangle 8"/>
-          <p:cNvSpPr/>
-          <p:nvPr/>
-        </p:nvSpPr>
-        <p:spPr>
-          <a:xfrm>
-            <a:off x="1260922" y="1998350"/>
-            <a:ext cx="1443661" cy="364396"/>
-          </a:xfrm>
-          <a:prstGeom prst="rect">
-            <a:avLst/>
-          </a:prstGeom>
-          <a:ln w="19050">
-            <a:solidFill>
-              <a:srgbClr val="7030A0"/>
-            </a:solidFill>
-          </a:ln>
-          <a:effectLst/>
-        </p:spPr>
-        <p:style>
-          <a:lnRef idx="1">
-            <a:schemeClr val="accent4"/>
-          </a:lnRef>
-          <a:fillRef idx="2">
-            <a:schemeClr val="accent4"/>
-          </a:fillRef>
-          <a:effectRef idx="1">
-            <a:schemeClr val="accent4"/>
-          </a:effectRef>
-          <a:fontRef idx="minor">
-            <a:schemeClr val="dk1"/>
-          </a:fontRef>
-        </p:style>
-        <p:txBody>
-          <a:bodyPr rtlCol="0" anchor="ctr"/>
-          <a:lstStyle/>
-          <a:p>
-            <a:pPr algn="ctr"/>
-            <a:r>
-              <a:rPr lang="en-US" sz="1050" dirty="0">
+              <a:headEnd type="none" w="med" len="med"/>
+              <a:tailEnd type="arrow" w="med" len="med"/>
+            </a:ln>
+            <a:effectLst/>
+          </p:spPr>
+          <p:style>
+            <a:lnRef idx="1">
+              <a:schemeClr val="accent2"/>
+            </a:lnRef>
+            <a:fillRef idx="2">
+              <a:schemeClr val="accent2"/>
+            </a:fillRef>
+            <a:effectRef idx="1">
+              <a:schemeClr val="accent2"/>
+            </a:effectRef>
+            <a:fontRef idx="minor">
+              <a:schemeClr val="dk1"/>
+            </a:fontRef>
+          </p:style>
+        </p:cxnSp>
+        <p:sp>
+          <p:nvSpPr>
+            <p:cNvPr id="50" name="TextBox 49">
+              <a:extLst>
+                <a:ext uri="{FF2B5EF4-FFF2-40B4-BE49-F238E27FC236}">
+                  <a16:creationId xmlns:a16="http://schemas.microsoft.com/office/drawing/2014/main" id="{B3FA9D57-880F-49C4-AD0B-A64E30D6F403}"/>
+                </a:ext>
+              </a:extLst>
+            </p:cNvPr>
+            <p:cNvSpPr txBox="1"/>
+            <p:nvPr/>
+          </p:nvSpPr>
+          <p:spPr>
+            <a:xfrm>
+              <a:off x="7466243" y="2255711"/>
+              <a:ext cx="189257" cy="178683"/>
+            </a:xfrm>
+            <a:prstGeom prst="rect">
+              <a:avLst/>
+            </a:prstGeom>
+            <a:noFill/>
+          </p:spPr>
+          <p:txBody>
+            <a:bodyPr wrap="square" lIns="0" tIns="0" rIns="0" bIns="0" rtlCol="0">
+              <a:noAutofit/>
+            </a:bodyPr>
+            <a:lstStyle/>
+            <a:p>
+              <a:pPr algn="ctr"/>
+              <a:r>
+                <a:rPr lang="en-US" sz="1100" dirty="0">
+                  <a:solidFill>
+                    <a:srgbClr val="7030A0"/>
+                  </a:solidFill>
+                </a:rPr>
+                <a:t>*</a:t>
+              </a:r>
+              <a:endParaRPr lang="en-SG" sz="1100" dirty="0">
                 <a:solidFill>
                   <a:srgbClr val="7030A0"/>
                 </a:solidFill>
-              </a:rPr>
-              <a:t>&lt;&lt;interface&gt;&gt;</a:t>
-            </a:r>
-            <a:br>
-              <a:rPr lang="en-US" sz="1050" dirty="0">
+              </a:endParaRPr>
+            </a:p>
+          </p:txBody>
+        </p:sp>
+        <p:sp>
+          <p:nvSpPr>
+            <p:cNvPr id="55" name="Rectangle 8"/>
+            <p:cNvSpPr/>
+            <p:nvPr/>
+          </p:nvSpPr>
+          <p:spPr>
+            <a:xfrm>
+              <a:off x="3170181" y="1998350"/>
+              <a:ext cx="1060683" cy="364396"/>
+            </a:xfrm>
+            <a:prstGeom prst="rect">
+              <a:avLst/>
+            </a:prstGeom>
+            <a:ln w="19050">
+              <a:solidFill>
+                <a:srgbClr val="7030A0"/>
+              </a:solidFill>
+            </a:ln>
+            <a:effectLst/>
+          </p:spPr>
+          <p:style>
+            <a:lnRef idx="1">
+              <a:schemeClr val="accent4"/>
+            </a:lnRef>
+            <a:fillRef idx="2">
+              <a:schemeClr val="accent4"/>
+            </a:fillRef>
+            <a:effectRef idx="1">
+              <a:schemeClr val="accent4"/>
+            </a:effectRef>
+            <a:fontRef idx="minor">
+              <a:schemeClr val="dk1"/>
+            </a:fontRef>
+          </p:style>
+          <p:txBody>
+            <a:bodyPr rtlCol="0" anchor="ctr"/>
+            <a:lstStyle/>
+            <a:p>
+              <a:pPr algn="ctr"/>
+              <a:r>
+                <a:rPr lang="en-US" sz="1050" dirty="0" err="1">
+                  <a:solidFill>
+                    <a:srgbClr val="7030A0"/>
+                  </a:solidFill>
+                </a:rPr>
+                <a:t>AddressBook</a:t>
+              </a:r>
+              <a:endParaRPr lang="en-SG" sz="1050" dirty="0">
                 <a:solidFill>
                   <a:srgbClr val="7030A0"/>
                 </a:solidFill>
-              </a:rPr>
-            </a:br>
-            <a:r>
-              <a:rPr lang="en-US" sz="1050" dirty="0" err="1">
+              </a:endParaRPr>
+            </a:p>
+          </p:txBody>
+        </p:sp>
+        <p:cxnSp>
+          <p:nvCxnSpPr>
+            <p:cNvPr id="60" name="Straight Arrow Connector 59"/>
+            <p:cNvCxnSpPr>
+              <a:cxnSpLocks/>
+              <a:stCxn id="51" idx="1"/>
+              <a:endCxn id="49" idx="1"/>
+            </p:cNvCxnSpPr>
+            <p:nvPr/>
+          </p:nvCxnSpPr>
+          <p:spPr>
+            <a:xfrm>
+              <a:off x="4324972" y="3007222"/>
+              <a:ext cx="367678" cy="12320"/>
+            </a:xfrm>
+            <a:prstGeom prst="straightConnector1">
+              <a:avLst/>
+            </a:prstGeom>
+            <a:ln w="19050">
+              <a:solidFill>
+                <a:srgbClr val="7030A0"/>
+              </a:solidFill>
+              <a:headEnd type="none" w="med" len="med"/>
+              <a:tailEnd type="arrow" w="med" len="med"/>
+            </a:ln>
+            <a:effectLst/>
+          </p:spPr>
+          <p:style>
+            <a:lnRef idx="1">
+              <a:schemeClr val="accent2"/>
+            </a:lnRef>
+            <a:fillRef idx="2">
+              <a:schemeClr val="accent2"/>
+            </a:fillRef>
+            <a:effectRef idx="1">
+              <a:schemeClr val="accent2"/>
+            </a:effectRef>
+            <a:fontRef idx="minor">
+              <a:schemeClr val="dk1"/>
+            </a:fontRef>
+          </p:style>
+        </p:cxnSp>
+        <p:sp>
+          <p:nvSpPr>
+            <p:cNvPr id="68" name="Isosceles Triangle 102"/>
+            <p:cNvSpPr/>
+            <p:nvPr/>
+          </p:nvSpPr>
+          <p:spPr>
+            <a:xfrm rot="16200000">
+              <a:off x="2669073" y="2069158"/>
+              <a:ext cx="271014" cy="187417"/>
+            </a:xfrm>
+            <a:prstGeom prst="triangle">
+              <a:avLst>
+                <a:gd name="adj" fmla="val 44517"/>
+              </a:avLst>
+            </a:prstGeom>
+            <a:solidFill>
+              <a:schemeClr val="accent4">
+                <a:lumMod val="20000"/>
+                <a:lumOff val="80000"/>
+              </a:schemeClr>
+            </a:solidFill>
+            <a:ln w="19050">
+              <a:solidFill>
+                <a:srgbClr val="7030A0"/>
+              </a:solidFill>
+            </a:ln>
+            <a:effectLst/>
+          </p:spPr>
+          <p:style>
+            <a:lnRef idx="1">
+              <a:schemeClr val="accent6"/>
+            </a:lnRef>
+            <a:fillRef idx="2">
+              <a:schemeClr val="accent6"/>
+            </a:fillRef>
+            <a:effectRef idx="1">
+              <a:schemeClr val="accent6"/>
+            </a:effectRef>
+            <a:fontRef idx="minor">
+              <a:schemeClr val="dk1"/>
+            </a:fontRef>
+          </p:style>
+          <p:txBody>
+            <a:bodyPr rtlCol="0" anchor="ctr"/>
+            <a:lstStyle/>
+            <a:p>
+              <a:pPr algn="ctr"/>
+              <a:endParaRPr lang="en-SG" sz="1050"/>
+            </a:p>
+          </p:txBody>
+        </p:sp>
+        <p:cxnSp>
+          <p:nvCxnSpPr>
+            <p:cNvPr id="69" name="Elbow Connector 63"/>
+            <p:cNvCxnSpPr>
+              <a:stCxn id="68" idx="3"/>
+              <a:endCxn id="55" idx="1"/>
+            </p:cNvCxnSpPr>
+            <p:nvPr/>
+          </p:nvCxnSpPr>
+          <p:spPr>
+            <a:xfrm>
+              <a:off x="2898289" y="2177727"/>
+              <a:ext cx="271892" cy="2821"/>
+            </a:xfrm>
+            <a:prstGeom prst="bentConnector3">
+              <a:avLst>
+                <a:gd name="adj1" fmla="val 50000"/>
+              </a:avLst>
+            </a:prstGeom>
+            <a:ln w="19050">
+              <a:solidFill>
+                <a:srgbClr val="7030A0"/>
+              </a:solidFill>
+              <a:prstDash val="sysDot"/>
+              <a:headEnd type="none" w="med" len="med"/>
+              <a:tailEnd type="none" w="med" len="med"/>
+            </a:ln>
+            <a:effectLst/>
+          </p:spPr>
+          <p:style>
+            <a:lnRef idx="1">
+              <a:schemeClr val="accent2"/>
+            </a:lnRef>
+            <a:fillRef idx="2">
+              <a:schemeClr val="accent2"/>
+            </a:fillRef>
+            <a:effectRef idx="1">
+              <a:schemeClr val="accent2"/>
+            </a:effectRef>
+            <a:fontRef idx="minor">
+              <a:schemeClr val="dk1"/>
+            </a:fontRef>
+          </p:style>
+        </p:cxnSp>
+        <p:sp>
+          <p:nvSpPr>
+            <p:cNvPr id="57" name="Rectangle 8">
+              <a:extLst>
+                <a:ext uri="{FF2B5EF4-FFF2-40B4-BE49-F238E27FC236}">
+                  <a16:creationId xmlns:a16="http://schemas.microsoft.com/office/drawing/2014/main" id="{6A42DA50-9012-4391-9EF3-285E4FA3FCD8}"/>
+                </a:ext>
+              </a:extLst>
+            </p:cNvPr>
+            <p:cNvSpPr/>
+            <p:nvPr/>
+          </p:nvSpPr>
+          <p:spPr>
+            <a:xfrm>
+              <a:off x="4238892" y="3460864"/>
+              <a:ext cx="1293486" cy="346760"/>
+            </a:xfrm>
+            <a:prstGeom prst="rect">
+              <a:avLst/>
+            </a:prstGeom>
+            <a:ln w="19050">
+              <a:solidFill>
+                <a:srgbClr val="7030A0"/>
+              </a:solidFill>
+            </a:ln>
+            <a:effectLst/>
+          </p:spPr>
+          <p:style>
+            <a:lnRef idx="1">
+              <a:schemeClr val="accent4"/>
+            </a:lnRef>
+            <a:fillRef idx="2">
+              <a:schemeClr val="accent4"/>
+            </a:fillRef>
+            <a:effectRef idx="1">
+              <a:schemeClr val="accent4"/>
+            </a:effectRef>
+            <a:fontRef idx="minor">
+              <a:schemeClr val="dk1"/>
+            </a:fontRef>
+          </p:style>
+          <p:txBody>
+            <a:bodyPr rtlCol="0" anchor="ctr"/>
+            <a:lstStyle/>
+            <a:p>
+              <a:pPr algn="ctr"/>
+              <a:r>
+                <a:rPr lang="en-US" sz="1050" dirty="0">
+                  <a:solidFill>
+                    <a:srgbClr val="7030A0"/>
+                  </a:solidFill>
+                </a:rPr>
+                <a:t>&lt;&lt;interface&gt;&gt;</a:t>
+              </a:r>
+            </a:p>
+            <a:p>
+              <a:pPr algn="ctr"/>
+              <a:r>
+                <a:rPr lang="en-US" sz="1050" dirty="0" err="1">
+                  <a:solidFill>
+                    <a:srgbClr val="7030A0"/>
+                  </a:solidFill>
+                </a:rPr>
+                <a:t>ReadOnlyUserPrefs</a:t>
+              </a:r>
+              <a:endParaRPr lang="en-SG" sz="1050" dirty="0">
                 <a:solidFill>
                   <a:srgbClr val="7030A0"/>
                 </a:solidFill>
-              </a:rPr>
-              <a:t>ReadOnlyAddressBook</a:t>
-            </a:r>
-            <a:endParaRPr lang="en-SG" sz="1050" dirty="0">
+              </a:endParaRPr>
+            </a:p>
+          </p:txBody>
+        </p:sp>
+        <p:sp>
+          <p:nvSpPr>
+            <p:cNvPr id="59" name="Isosceles Triangle 102">
+              <a:extLst>
+                <a:ext uri="{FF2B5EF4-FFF2-40B4-BE49-F238E27FC236}">
+                  <a16:creationId xmlns:a16="http://schemas.microsoft.com/office/drawing/2014/main" id="{B263B2D7-6E76-465E-B40E-7E2A46254A84}"/>
+                </a:ext>
+              </a:extLst>
+            </p:cNvPr>
+            <p:cNvSpPr/>
+            <p:nvPr/>
+          </p:nvSpPr>
+          <p:spPr>
+            <a:xfrm rot="5400000" flipH="1">
+              <a:off x="3992636" y="3514414"/>
+              <a:ext cx="271014" cy="221497"/>
+            </a:xfrm>
+            <a:prstGeom prst="triangle">
+              <a:avLst>
+                <a:gd name="adj" fmla="val 44517"/>
+              </a:avLst>
+            </a:prstGeom>
+            <a:solidFill>
+              <a:schemeClr val="accent4">
+                <a:lumMod val="20000"/>
+                <a:lumOff val="80000"/>
+              </a:schemeClr>
+            </a:solidFill>
+            <a:ln w="19050">
               <a:solidFill>
                 <a:srgbClr val="7030A0"/>
               </a:solidFill>
-            </a:endParaRPr>
-          </a:p>
-        </p:txBody>
-      </p:sp>
-      <p:sp>
-        <p:nvSpPr>
-          <p:cNvPr id="114" name="TextBox 113"/>
-          <p:cNvSpPr txBox="1"/>
-          <p:nvPr/>
-        </p:nvSpPr>
-        <p:spPr>
-          <a:xfrm rot="16200000">
-            <a:off x="6362886" y="3586305"/>
-            <a:ext cx="881018" cy="261610"/>
-          </a:xfrm>
-          <a:prstGeom prst="rect">
-            <a:avLst/>
-          </a:prstGeom>
-          <a:noFill/>
-        </p:spPr>
-        <p:txBody>
-          <a:bodyPr wrap="square" rtlCol="0">
-            <a:spAutoFit/>
-          </a:bodyPr>
-          <a:lstStyle/>
-          <a:p>
-            <a:pPr algn="r"/>
-            <a:r>
-              <a:rPr lang="en-US" sz="1100" dirty="0">
-                <a:solidFill>
-                  <a:srgbClr val="7030A0"/>
-                </a:solidFill>
-              </a:rPr>
-              <a:t>filtered list</a:t>
-            </a:r>
-            <a:endParaRPr lang="en-SG" sz="1100" dirty="0">
+            </a:ln>
+            <a:effectLst/>
+          </p:spPr>
+          <p:style>
+            <a:lnRef idx="1">
+              <a:schemeClr val="accent6"/>
+            </a:lnRef>
+            <a:fillRef idx="2">
+              <a:schemeClr val="accent6"/>
+            </a:fillRef>
+            <a:effectRef idx="1">
+              <a:schemeClr val="accent6"/>
+            </a:effectRef>
+            <a:fontRef idx="minor">
+              <a:schemeClr val="dk1"/>
+            </a:fontRef>
+          </p:style>
+          <p:txBody>
+            <a:bodyPr rtlCol="0" anchor="ctr"/>
+            <a:lstStyle/>
+            <a:p>
+              <a:pPr algn="ctr"/>
+              <a:endParaRPr lang="en-SG" sz="1050"/>
+            </a:p>
+          </p:txBody>
+        </p:sp>
+        <p:cxnSp>
+          <p:nvCxnSpPr>
+            <p:cNvPr id="67" name="Elbow Connector 63">
+              <a:extLst>
+                <a:ext uri="{FF2B5EF4-FFF2-40B4-BE49-F238E27FC236}">
+                  <a16:creationId xmlns:a16="http://schemas.microsoft.com/office/drawing/2014/main" id="{BA3A25CD-7C1D-4B3B-B294-1B05ABCFECFD}"/>
+                </a:ext>
+              </a:extLst>
+            </p:cNvPr>
+            <p:cNvCxnSpPr>
+              <a:cxnSpLocks/>
+              <a:stCxn id="59" idx="3"/>
+              <a:endCxn id="2" idx="3"/>
+            </p:cNvCxnSpPr>
+            <p:nvPr/>
+          </p:nvCxnSpPr>
+          <p:spPr>
+            <a:xfrm rot="10800000">
+              <a:off x="3703491" y="3636621"/>
+              <a:ext cx="313904" cy="3403"/>
+            </a:xfrm>
+            <a:prstGeom prst="bentConnector3">
+              <a:avLst>
+                <a:gd name="adj1" fmla="val 50000"/>
+              </a:avLst>
+            </a:prstGeom>
+            <a:ln w="19050">
               <a:solidFill>
                 <a:srgbClr val="7030A0"/>
               </a:solidFill>
-            </a:endParaRPr>
-          </a:p>
-        </p:txBody>
-      </p:sp>
-      <p:sp>
-        <p:nvSpPr>
-          <p:cNvPr id="122" name="Rectangle 8"/>
-          <p:cNvSpPr/>
-          <p:nvPr/>
-        </p:nvSpPr>
-        <p:spPr>
-          <a:xfrm>
-            <a:off x="2057401" y="4239491"/>
-            <a:ext cx="1066800" cy="346760"/>
-          </a:xfrm>
-          <a:prstGeom prst="rect">
-            <a:avLst/>
-          </a:prstGeom>
-          <a:ln w="19050">
-            <a:solidFill>
-              <a:srgbClr val="7030A0"/>
-            </a:solidFill>
-          </a:ln>
-          <a:effectLst/>
-        </p:spPr>
-        <p:style>
-          <a:lnRef idx="1">
-            <a:schemeClr val="accent4"/>
-          </a:lnRef>
-          <a:fillRef idx="2">
-            <a:schemeClr val="accent4"/>
-          </a:fillRef>
-          <a:effectRef idx="1">
-            <a:schemeClr val="accent4"/>
-          </a:effectRef>
-          <a:fontRef idx="minor">
-            <a:schemeClr val="dk1"/>
-          </a:fontRef>
-        </p:style>
-        <p:txBody>
-          <a:bodyPr rtlCol="0" anchor="ctr"/>
-          <a:lstStyle/>
-          <a:p>
-            <a:pPr algn="ctr"/>
-            <a:r>
-              <a:rPr lang="en-US" sz="1050" dirty="0">
-                <a:solidFill>
-                  <a:srgbClr val="7030A0"/>
-                </a:solidFill>
-              </a:rPr>
-              <a:t>&lt;&lt;interface&gt;&gt;</a:t>
-            </a:r>
-            <a:br>
-              <a:rPr lang="en-US" sz="1050">
-                <a:solidFill>
-                  <a:srgbClr val="7030A0"/>
-                </a:solidFill>
-              </a:rPr>
-            </a:br>
-            <a:r>
-              <a:rPr lang="en-US" sz="1050" dirty="0" err="1">
-                <a:solidFill>
-                  <a:srgbClr val="7030A0"/>
-                </a:solidFill>
-              </a:rPr>
-              <a:t>ObservableList</a:t>
-            </a:r>
-            <a:endParaRPr lang="en-SG" sz="1050" dirty="0">
-              <a:solidFill>
-                <a:srgbClr val="7030A0"/>
-              </a:solidFill>
-            </a:endParaRPr>
-          </a:p>
-        </p:txBody>
-      </p:sp>
-      <p:cxnSp>
-        <p:nvCxnSpPr>
-          <p:cNvPr id="124" name="Elbow Connector 122"/>
-          <p:cNvCxnSpPr>
-            <a:stCxn id="119" idx="1"/>
-            <a:endCxn id="122" idx="1"/>
-          </p:cNvCxnSpPr>
-          <p:nvPr/>
-        </p:nvCxnSpPr>
-        <p:spPr>
-          <a:xfrm rot="16200000" flipH="1">
-            <a:off x="1364475" y="3719944"/>
-            <a:ext cx="831471" cy="554381"/>
-          </a:xfrm>
-          <a:prstGeom prst="bentConnector2">
-            <a:avLst/>
-          </a:prstGeom>
-          <a:ln w="19050">
-            <a:solidFill>
-              <a:srgbClr val="7030A0"/>
-            </a:solidFill>
-            <a:prstDash val="sysDot"/>
-            <a:headEnd type="none" w="med" len="med"/>
-            <a:tailEnd type="arrow" w="med" len="med"/>
-          </a:ln>
-          <a:effectLst/>
-        </p:spPr>
-        <p:style>
-          <a:lnRef idx="1">
-            <a:schemeClr val="accent2"/>
-          </a:lnRef>
-          <a:fillRef idx="2">
-            <a:schemeClr val="accent2"/>
-          </a:fillRef>
-          <a:effectRef idx="1">
-            <a:schemeClr val="accent2"/>
-          </a:effectRef>
-          <a:fontRef idx="minor">
-            <a:schemeClr val="dk1"/>
-          </a:fontRef>
-        </p:style>
-      </p:cxnSp>
-      <p:sp>
-        <p:nvSpPr>
-          <p:cNvPr id="54" name="TextBox 53"/>
-          <p:cNvSpPr txBox="1"/>
-          <p:nvPr/>
-        </p:nvSpPr>
-        <p:spPr>
-          <a:xfrm>
-            <a:off x="4429979" y="3111479"/>
-            <a:ext cx="189257" cy="178683"/>
-          </a:xfrm>
-          <a:prstGeom prst="rect">
-            <a:avLst/>
-          </a:prstGeom>
-          <a:noFill/>
-        </p:spPr>
-        <p:txBody>
-          <a:bodyPr wrap="square" lIns="0" tIns="0" rIns="0" bIns="0" rtlCol="0">
-            <a:noAutofit/>
-          </a:bodyPr>
-          <a:lstStyle/>
-          <a:p>
-            <a:pPr algn="ctr"/>
-            <a:r>
-              <a:rPr lang="en-US" sz="1100" dirty="0">
-                <a:solidFill>
-                  <a:srgbClr val="7030A0"/>
-                </a:solidFill>
-              </a:rPr>
-              <a:t>1</a:t>
-            </a:r>
-            <a:endParaRPr lang="en-SG" sz="1100" dirty="0">
-              <a:solidFill>
-                <a:srgbClr val="7030A0"/>
-              </a:solidFill>
-            </a:endParaRPr>
-          </a:p>
-        </p:txBody>
-      </p:sp>
-      <p:sp>
-        <p:nvSpPr>
-          <p:cNvPr id="61" name="TextBox 60"/>
-          <p:cNvSpPr txBox="1"/>
-          <p:nvPr/>
-        </p:nvSpPr>
-        <p:spPr>
-          <a:xfrm>
-            <a:off x="6135256" y="3097917"/>
-            <a:ext cx="189257" cy="178683"/>
-          </a:xfrm>
-          <a:prstGeom prst="rect">
-            <a:avLst/>
-          </a:prstGeom>
-          <a:noFill/>
-        </p:spPr>
-        <p:txBody>
-          <a:bodyPr wrap="square" lIns="0" tIns="0" rIns="0" bIns="0" rtlCol="0">
-            <a:noAutofit/>
-          </a:bodyPr>
-          <a:lstStyle/>
-          <a:p>
-            <a:pPr algn="ctr"/>
-            <a:r>
-              <a:rPr lang="en-US" sz="1100" dirty="0">
-                <a:solidFill>
-                  <a:srgbClr val="7030A0"/>
-                </a:solidFill>
-              </a:rPr>
-              <a:t>*</a:t>
-            </a:r>
-            <a:endParaRPr lang="en-SG" sz="1100" dirty="0">
-              <a:solidFill>
-                <a:srgbClr val="7030A0"/>
-              </a:solidFill>
-            </a:endParaRPr>
-          </a:p>
-        </p:txBody>
-      </p:sp>
-      <p:sp>
-        <p:nvSpPr>
-          <p:cNvPr id="65" name="TextBox 64"/>
-          <p:cNvSpPr txBox="1"/>
-          <p:nvPr/>
-        </p:nvSpPr>
-        <p:spPr>
-          <a:xfrm>
-            <a:off x="2573394" y="2756715"/>
-            <a:ext cx="170110" cy="137542"/>
-          </a:xfrm>
-          <a:prstGeom prst="rect">
-            <a:avLst/>
-          </a:prstGeom>
-          <a:noFill/>
-        </p:spPr>
-        <p:txBody>
-          <a:bodyPr wrap="square" lIns="0" tIns="0" rIns="0" bIns="0" rtlCol="0">
-            <a:noAutofit/>
-          </a:bodyPr>
-          <a:lstStyle/>
-          <a:p>
-            <a:pPr algn="ctr"/>
-            <a:r>
-              <a:rPr lang="en-US" sz="1100" dirty="0">
-                <a:solidFill>
-                  <a:srgbClr val="7030A0"/>
-                </a:solidFill>
-              </a:rPr>
-              <a:t>1</a:t>
-            </a:r>
-            <a:endParaRPr lang="en-SG" sz="1100" dirty="0">
-              <a:solidFill>
-                <a:srgbClr val="7030A0"/>
-              </a:solidFill>
-            </a:endParaRPr>
-          </a:p>
-        </p:txBody>
-      </p:sp>
-      <p:sp>
-        <p:nvSpPr>
-          <p:cNvPr id="66" name="TextBox 65"/>
-          <p:cNvSpPr txBox="1"/>
-          <p:nvPr/>
-        </p:nvSpPr>
-        <p:spPr>
-          <a:xfrm>
-            <a:off x="2630191" y="3667737"/>
-            <a:ext cx="189257" cy="178683"/>
-          </a:xfrm>
-          <a:prstGeom prst="rect">
-            <a:avLst/>
-          </a:prstGeom>
-          <a:noFill/>
-        </p:spPr>
-        <p:txBody>
-          <a:bodyPr wrap="square" lIns="0" tIns="0" rIns="0" bIns="0" rtlCol="0">
-            <a:noAutofit/>
-          </a:bodyPr>
-          <a:lstStyle/>
-          <a:p>
-            <a:pPr algn="ctr"/>
-            <a:r>
-              <a:rPr lang="en-US" sz="1100" dirty="0">
-                <a:solidFill>
-                  <a:srgbClr val="7030A0"/>
-                </a:solidFill>
-              </a:rPr>
-              <a:t>1</a:t>
-            </a:r>
-            <a:endParaRPr lang="en-SG" sz="1100" dirty="0">
-              <a:solidFill>
-                <a:srgbClr val="7030A0"/>
-              </a:solidFill>
-            </a:endParaRPr>
-          </a:p>
-        </p:txBody>
-      </p:sp>
-      <p:sp>
-        <p:nvSpPr>
-          <p:cNvPr id="70" name="TextBox 69"/>
-          <p:cNvSpPr txBox="1"/>
-          <p:nvPr/>
-        </p:nvSpPr>
-        <p:spPr>
-          <a:xfrm>
-            <a:off x="6449896" y="3204826"/>
-            <a:ext cx="189257" cy="178683"/>
-          </a:xfrm>
-          <a:prstGeom prst="rect">
-            <a:avLst/>
-          </a:prstGeom>
-          <a:noFill/>
-        </p:spPr>
-        <p:txBody>
-          <a:bodyPr wrap="square" lIns="0" tIns="0" rIns="0" bIns="0" rtlCol="0">
-            <a:noAutofit/>
-          </a:bodyPr>
-          <a:lstStyle/>
-          <a:p>
-            <a:pPr algn="ctr"/>
-            <a:r>
-              <a:rPr lang="en-US" sz="1100" dirty="0">
-                <a:solidFill>
-                  <a:srgbClr val="7030A0"/>
-                </a:solidFill>
-              </a:rPr>
-              <a:t>1</a:t>
-            </a:r>
-            <a:endParaRPr lang="en-SG" sz="1100" dirty="0">
-              <a:solidFill>
-                <a:srgbClr val="7030A0"/>
-              </a:solidFill>
-            </a:endParaRPr>
-          </a:p>
-        </p:txBody>
-      </p:sp>
-      <p:sp>
-        <p:nvSpPr>
-          <p:cNvPr id="52" name="Rectangle 8">
-            <a:extLst>
-              <a:ext uri="{FF2B5EF4-FFF2-40B4-BE49-F238E27FC236}">
-                <a16:creationId xmlns:a16="http://schemas.microsoft.com/office/drawing/2014/main" id="{ABDCDBD2-131A-4B66-A2F2-43BBEE82C773}"/>
-              </a:ext>
-            </a:extLst>
-          </p:cNvPr>
-          <p:cNvSpPr/>
-          <p:nvPr/>
-        </p:nvSpPr>
-        <p:spPr>
-          <a:xfrm>
-            <a:off x="7712397" y="2228817"/>
-            <a:ext cx="708186" cy="285783"/>
-          </a:xfrm>
-          <a:prstGeom prst="rect">
-            <a:avLst/>
-          </a:prstGeom>
-          <a:ln w="19050">
-            <a:solidFill>
-              <a:srgbClr val="7030A0"/>
-            </a:solidFill>
-          </a:ln>
-          <a:effectLst/>
-        </p:spPr>
-        <p:style>
-          <a:lnRef idx="1">
-            <a:schemeClr val="accent4"/>
-          </a:lnRef>
-          <a:fillRef idx="2">
-            <a:schemeClr val="accent4"/>
-          </a:fillRef>
-          <a:effectRef idx="1">
-            <a:schemeClr val="accent4"/>
-          </a:effectRef>
-          <a:fontRef idx="minor">
-            <a:schemeClr val="dk1"/>
-          </a:fontRef>
-        </p:style>
-        <p:txBody>
-          <a:bodyPr rtlCol="0" anchor="ctr"/>
-          <a:lstStyle/>
-          <a:p>
-            <a:pPr algn="ctr"/>
-            <a:r>
-              <a:rPr lang="en-US" sz="1050" dirty="0">
-                <a:solidFill>
-                  <a:srgbClr val="7030A0"/>
-                </a:solidFill>
-              </a:rPr>
-              <a:t>Tag</a:t>
-            </a:r>
-            <a:endParaRPr lang="en-SG" sz="1050" dirty="0">
-              <a:solidFill>
-                <a:srgbClr val="7030A0"/>
-              </a:solidFill>
-            </a:endParaRPr>
-          </a:p>
-        </p:txBody>
-      </p:sp>
-      <p:cxnSp>
-        <p:nvCxnSpPr>
-          <p:cNvPr id="53" name="Elbow Connector 78">
-            <a:extLst>
-              <a:ext uri="{FF2B5EF4-FFF2-40B4-BE49-F238E27FC236}">
-                <a16:creationId xmlns:a16="http://schemas.microsoft.com/office/drawing/2014/main" id="{B97967F8-618A-448B-81FD-CDFD4AF0EC64}"/>
-              </a:ext>
-            </a:extLst>
-          </p:cNvPr>
-          <p:cNvCxnSpPr>
-            <a:cxnSpLocks/>
-            <a:stCxn id="78" idx="3"/>
-            <a:endCxn id="52" idx="1"/>
-          </p:cNvCxnSpPr>
-          <p:nvPr/>
-        </p:nvCxnSpPr>
-        <p:spPr>
-          <a:xfrm flipV="1">
-            <a:off x="7277995" y="2371709"/>
-            <a:ext cx="434402" cy="663182"/>
-          </a:xfrm>
-          <a:prstGeom prst="bentConnector3">
-            <a:avLst>
-              <a:gd name="adj1" fmla="val 50000"/>
-            </a:avLst>
-          </a:prstGeom>
-          <a:ln w="19050">
-            <a:solidFill>
-              <a:srgbClr val="7030A0"/>
-            </a:solidFill>
-            <a:headEnd type="none" w="med" len="med"/>
-            <a:tailEnd type="arrow" w="med" len="med"/>
-          </a:ln>
-          <a:effectLst/>
-        </p:spPr>
-        <p:style>
-          <a:lnRef idx="1">
-            <a:schemeClr val="accent2"/>
-          </a:lnRef>
-          <a:fillRef idx="2">
-            <a:schemeClr val="accent2"/>
-          </a:fillRef>
-          <a:effectRef idx="1">
-            <a:schemeClr val="accent2"/>
-          </a:effectRef>
-          <a:fontRef idx="minor">
-            <a:schemeClr val="dk1"/>
-          </a:fontRef>
-        </p:style>
-      </p:cxnSp>
-      <p:sp>
-        <p:nvSpPr>
-          <p:cNvPr id="50" name="TextBox 49">
-            <a:extLst>
-              <a:ext uri="{FF2B5EF4-FFF2-40B4-BE49-F238E27FC236}">
-                <a16:creationId xmlns:a16="http://schemas.microsoft.com/office/drawing/2014/main" id="{B3FA9D57-880F-49C4-AD0B-A64E30D6F403}"/>
-              </a:ext>
-            </a:extLst>
-          </p:cNvPr>
-          <p:cNvSpPr txBox="1"/>
-          <p:nvPr/>
-        </p:nvSpPr>
-        <p:spPr>
-          <a:xfrm>
-            <a:off x="7466243" y="2255711"/>
-            <a:ext cx="189257" cy="178683"/>
-          </a:xfrm>
-          <a:prstGeom prst="rect">
-            <a:avLst/>
-          </a:prstGeom>
-          <a:noFill/>
-        </p:spPr>
-        <p:txBody>
-          <a:bodyPr wrap="square" lIns="0" tIns="0" rIns="0" bIns="0" rtlCol="0">
-            <a:noAutofit/>
-          </a:bodyPr>
-          <a:lstStyle/>
-          <a:p>
-            <a:pPr algn="ctr"/>
-            <a:r>
-              <a:rPr lang="en-US" sz="1100" dirty="0">
-                <a:solidFill>
-                  <a:srgbClr val="7030A0"/>
-                </a:solidFill>
-              </a:rPr>
-              <a:t>*</a:t>
-            </a:r>
-            <a:endParaRPr lang="en-SG" sz="1100" dirty="0">
-              <a:solidFill>
-                <a:srgbClr val="7030A0"/>
-              </a:solidFill>
-            </a:endParaRPr>
-          </a:p>
-        </p:txBody>
-      </p:sp>
-      <p:sp>
-        <p:nvSpPr>
-          <p:cNvPr id="55" name="Rectangle 8"/>
-          <p:cNvSpPr/>
-          <p:nvPr/>
-        </p:nvSpPr>
-        <p:spPr>
-          <a:xfrm>
-            <a:off x="3170181" y="1998350"/>
-            <a:ext cx="1060683" cy="364396"/>
-          </a:xfrm>
-          <a:prstGeom prst="rect">
-            <a:avLst/>
-          </a:prstGeom>
-          <a:ln w="19050">
-            <a:solidFill>
-              <a:srgbClr val="7030A0"/>
-            </a:solidFill>
-          </a:ln>
-          <a:effectLst/>
-        </p:spPr>
-        <p:style>
-          <a:lnRef idx="1">
-            <a:schemeClr val="accent4"/>
-          </a:lnRef>
-          <a:fillRef idx="2">
-            <a:schemeClr val="accent4"/>
-          </a:fillRef>
-          <a:effectRef idx="1">
-            <a:schemeClr val="accent4"/>
-          </a:effectRef>
-          <a:fontRef idx="minor">
-            <a:schemeClr val="dk1"/>
-          </a:fontRef>
-        </p:style>
-        <p:txBody>
-          <a:bodyPr rtlCol="0" anchor="ctr"/>
-          <a:lstStyle/>
-          <a:p>
-            <a:pPr algn="ctr"/>
-            <a:r>
-              <a:rPr lang="en-US" sz="1050" dirty="0" err="1">
-                <a:solidFill>
-                  <a:srgbClr val="7030A0"/>
-                </a:solidFill>
-              </a:rPr>
-              <a:t>AddressBook</a:t>
-            </a:r>
-            <a:endParaRPr lang="en-SG" sz="1050" dirty="0">
-              <a:solidFill>
-                <a:srgbClr val="7030A0"/>
-              </a:solidFill>
-            </a:endParaRPr>
-          </a:p>
-        </p:txBody>
-      </p:sp>
-      <p:cxnSp>
-        <p:nvCxnSpPr>
-          <p:cNvPr id="60" name="Straight Arrow Connector 59"/>
-          <p:cNvCxnSpPr>
-            <a:stCxn id="51" idx="1"/>
-            <a:endCxn id="49" idx="1"/>
-          </p:cNvCxnSpPr>
-          <p:nvPr/>
-        </p:nvCxnSpPr>
-        <p:spPr>
-          <a:xfrm>
-            <a:off x="4324972" y="3007222"/>
-            <a:ext cx="367678" cy="12320"/>
-          </a:xfrm>
-          <a:prstGeom prst="straightConnector1">
-            <a:avLst/>
-          </a:prstGeom>
-          <a:ln w="19050">
-            <a:solidFill>
-              <a:srgbClr val="7030A0"/>
-            </a:solidFill>
-            <a:headEnd type="none" w="med" len="med"/>
-            <a:tailEnd type="arrow" w="med" len="med"/>
-          </a:ln>
-          <a:effectLst/>
-        </p:spPr>
-        <p:style>
-          <a:lnRef idx="1">
-            <a:schemeClr val="accent2"/>
-          </a:lnRef>
-          <a:fillRef idx="2">
-            <a:schemeClr val="accent2"/>
-          </a:fillRef>
-          <a:effectRef idx="1">
-            <a:schemeClr val="accent2"/>
-          </a:effectRef>
-          <a:fontRef idx="minor">
-            <a:schemeClr val="dk1"/>
-          </a:fontRef>
-        </p:style>
-      </p:cxnSp>
-      <p:sp>
-        <p:nvSpPr>
-          <p:cNvPr id="68" name="Isosceles Triangle 102"/>
-          <p:cNvSpPr/>
-          <p:nvPr/>
-        </p:nvSpPr>
-        <p:spPr>
-          <a:xfrm rot="16200000">
-            <a:off x="2669073" y="2069158"/>
-            <a:ext cx="271014" cy="187417"/>
-          </a:xfrm>
-          <a:prstGeom prst="triangle">
-            <a:avLst>
-              <a:gd name="adj" fmla="val 44517"/>
-            </a:avLst>
-          </a:prstGeom>
-          <a:solidFill>
-            <a:schemeClr val="accent4">
-              <a:lumMod val="20000"/>
-              <a:lumOff val="80000"/>
-            </a:schemeClr>
-          </a:solidFill>
-          <a:ln w="19050">
-            <a:solidFill>
-              <a:srgbClr val="7030A0"/>
-            </a:solidFill>
-          </a:ln>
-          <a:effectLst/>
-        </p:spPr>
-        <p:style>
-          <a:lnRef idx="1">
-            <a:schemeClr val="accent6"/>
-          </a:lnRef>
-          <a:fillRef idx="2">
-            <a:schemeClr val="accent6"/>
-          </a:fillRef>
-          <a:effectRef idx="1">
-            <a:schemeClr val="accent6"/>
-          </a:effectRef>
-          <a:fontRef idx="minor">
-            <a:schemeClr val="dk1"/>
-          </a:fontRef>
-        </p:style>
-        <p:txBody>
-          <a:bodyPr rtlCol="0" anchor="ctr"/>
-          <a:lstStyle/>
-          <a:p>
-            <a:pPr algn="ctr"/>
-            <a:endParaRPr lang="en-SG" sz="1050"/>
-          </a:p>
-        </p:txBody>
-      </p:sp>
-      <p:cxnSp>
-        <p:nvCxnSpPr>
-          <p:cNvPr id="69" name="Elbow Connector 63"/>
-          <p:cNvCxnSpPr>
-            <a:stCxn id="68" idx="3"/>
-            <a:endCxn id="55" idx="1"/>
-          </p:cNvCxnSpPr>
-          <p:nvPr/>
-        </p:nvCxnSpPr>
-        <p:spPr>
-          <a:xfrm>
-            <a:off x="2898289" y="2177727"/>
-            <a:ext cx="271892" cy="2821"/>
-          </a:xfrm>
-          <a:prstGeom prst="bentConnector3">
-            <a:avLst>
-              <a:gd name="adj1" fmla="val 50000"/>
-            </a:avLst>
-          </a:prstGeom>
-          <a:ln w="19050">
-            <a:solidFill>
-              <a:srgbClr val="7030A0"/>
-            </a:solidFill>
-            <a:prstDash val="sysDot"/>
-            <a:headEnd type="none" w="med" len="med"/>
-            <a:tailEnd type="none" w="med" len="med"/>
-          </a:ln>
-          <a:effectLst/>
-        </p:spPr>
-        <p:style>
-          <a:lnRef idx="1">
-            <a:schemeClr val="accent2"/>
-          </a:lnRef>
-          <a:fillRef idx="2">
-            <a:schemeClr val="accent2"/>
-          </a:fillRef>
-          <a:effectRef idx="1">
-            <a:schemeClr val="accent2"/>
-          </a:effectRef>
-          <a:fontRef idx="minor">
-            <a:schemeClr val="dk1"/>
-          </a:fontRef>
-        </p:style>
-      </p:cxnSp>
-      <p:sp>
-        <p:nvSpPr>
-          <p:cNvPr id="57" name="Rectangle 8">
-            <a:extLst>
-              <a:ext uri="{FF2B5EF4-FFF2-40B4-BE49-F238E27FC236}">
-                <a16:creationId xmlns:a16="http://schemas.microsoft.com/office/drawing/2014/main" id="{6A42DA50-9012-4391-9EF3-285E4FA3FCD8}"/>
-              </a:ext>
-            </a:extLst>
-          </p:cNvPr>
-          <p:cNvSpPr/>
-          <p:nvPr/>
-        </p:nvSpPr>
-        <p:spPr>
-          <a:xfrm>
-            <a:off x="4238892" y="3460864"/>
-            <a:ext cx="1293486" cy="346760"/>
-          </a:xfrm>
-          <a:prstGeom prst="rect">
-            <a:avLst/>
-          </a:prstGeom>
-          <a:ln w="19050">
-            <a:solidFill>
-              <a:srgbClr val="7030A0"/>
-            </a:solidFill>
-          </a:ln>
-          <a:effectLst/>
-        </p:spPr>
-        <p:style>
-          <a:lnRef idx="1">
-            <a:schemeClr val="accent4"/>
-          </a:lnRef>
-          <a:fillRef idx="2">
-            <a:schemeClr val="accent4"/>
-          </a:fillRef>
-          <a:effectRef idx="1">
-            <a:schemeClr val="accent4"/>
-          </a:effectRef>
-          <a:fontRef idx="minor">
-            <a:schemeClr val="dk1"/>
-          </a:fontRef>
-        </p:style>
-        <p:txBody>
-          <a:bodyPr rtlCol="0" anchor="ctr"/>
-          <a:lstStyle/>
-          <a:p>
-            <a:pPr algn="ctr"/>
-            <a:r>
-              <a:rPr lang="en-US" sz="1050" dirty="0">
-                <a:solidFill>
-                  <a:srgbClr val="7030A0"/>
-                </a:solidFill>
-              </a:rPr>
-              <a:t>&lt;&lt;interface&gt;&gt;</a:t>
-            </a:r>
-          </a:p>
-          <a:p>
-            <a:pPr algn="ctr"/>
-            <a:r>
-              <a:rPr lang="en-US" sz="1050" dirty="0" err="1">
-                <a:solidFill>
-                  <a:srgbClr val="7030A0"/>
-                </a:solidFill>
-              </a:rPr>
-              <a:t>ReadOnlyUserPrefs</a:t>
-            </a:r>
-            <a:endParaRPr lang="en-SG" sz="1050" dirty="0">
-              <a:solidFill>
-                <a:srgbClr val="7030A0"/>
-              </a:solidFill>
-            </a:endParaRPr>
-          </a:p>
-        </p:txBody>
-      </p:sp>
-      <p:sp>
-        <p:nvSpPr>
-          <p:cNvPr id="59" name="Isosceles Triangle 102">
-            <a:extLst>
-              <a:ext uri="{FF2B5EF4-FFF2-40B4-BE49-F238E27FC236}">
-                <a16:creationId xmlns:a16="http://schemas.microsoft.com/office/drawing/2014/main" id="{B263B2D7-6E76-465E-B40E-7E2A46254A84}"/>
-              </a:ext>
-            </a:extLst>
-          </p:cNvPr>
-          <p:cNvSpPr/>
-          <p:nvPr/>
-        </p:nvSpPr>
-        <p:spPr>
-          <a:xfrm rot="5400000" flipH="1">
-            <a:off x="3992636" y="3514414"/>
-            <a:ext cx="271014" cy="221497"/>
-          </a:xfrm>
-          <a:prstGeom prst="triangle">
-            <a:avLst>
-              <a:gd name="adj" fmla="val 44517"/>
-            </a:avLst>
-          </a:prstGeom>
-          <a:solidFill>
-            <a:schemeClr val="accent4">
-              <a:lumMod val="20000"/>
-              <a:lumOff val="80000"/>
-            </a:schemeClr>
-          </a:solidFill>
-          <a:ln w="19050">
-            <a:solidFill>
-              <a:srgbClr val="7030A0"/>
-            </a:solidFill>
-          </a:ln>
-          <a:effectLst/>
-        </p:spPr>
-        <p:style>
-          <a:lnRef idx="1">
-            <a:schemeClr val="accent6"/>
-          </a:lnRef>
-          <a:fillRef idx="2">
-            <a:schemeClr val="accent6"/>
-          </a:fillRef>
-          <a:effectRef idx="1">
-            <a:schemeClr val="accent6"/>
-          </a:effectRef>
-          <a:fontRef idx="minor">
-            <a:schemeClr val="dk1"/>
-          </a:fontRef>
-        </p:style>
-        <p:txBody>
-          <a:bodyPr rtlCol="0" anchor="ctr"/>
-          <a:lstStyle/>
-          <a:p>
-            <a:pPr algn="ctr"/>
-            <a:endParaRPr lang="en-SG" sz="1050"/>
-          </a:p>
-        </p:txBody>
-      </p:sp>
-      <p:cxnSp>
-        <p:nvCxnSpPr>
-          <p:cNvPr id="67" name="Elbow Connector 63">
-            <a:extLst>
-              <a:ext uri="{FF2B5EF4-FFF2-40B4-BE49-F238E27FC236}">
-                <a16:creationId xmlns:a16="http://schemas.microsoft.com/office/drawing/2014/main" id="{BA3A25CD-7C1D-4B3B-B294-1B05ABCFECFD}"/>
-              </a:ext>
-            </a:extLst>
-          </p:cNvPr>
-          <p:cNvCxnSpPr>
-            <a:cxnSpLocks/>
-            <a:stCxn id="59" idx="3"/>
-            <a:endCxn id="2" idx="3"/>
-          </p:cNvCxnSpPr>
-          <p:nvPr/>
-        </p:nvCxnSpPr>
-        <p:spPr>
-          <a:xfrm rot="10800000">
-            <a:off x="3703491" y="3636621"/>
-            <a:ext cx="313904" cy="3403"/>
-          </a:xfrm>
-          <a:prstGeom prst="bentConnector3">
-            <a:avLst>
-              <a:gd name="adj1" fmla="val 50000"/>
-            </a:avLst>
-          </a:prstGeom>
-          <a:ln w="19050">
-            <a:solidFill>
-              <a:srgbClr val="7030A0"/>
-            </a:solidFill>
-            <a:prstDash val="sysDot"/>
-            <a:headEnd type="none" w="med" len="med"/>
-            <a:tailEnd type="none" w="med" len="med"/>
-          </a:ln>
-          <a:effectLst/>
-        </p:spPr>
-        <p:style>
-          <a:lnRef idx="1">
-            <a:schemeClr val="accent2"/>
-          </a:lnRef>
-          <a:fillRef idx="2">
-            <a:schemeClr val="accent2"/>
-          </a:fillRef>
-          <a:effectRef idx="1">
-            <a:schemeClr val="accent2"/>
-          </a:effectRef>
-          <a:fontRef idx="minor">
-            <a:schemeClr val="dk1"/>
-          </a:fontRef>
-        </p:style>
-      </p:cxnSp>
+              <a:prstDash val="sysDot"/>
+              <a:headEnd type="none" w="med" len="med"/>
+              <a:tailEnd type="none" w="med" len="med"/>
+            </a:ln>
+            <a:effectLst/>
+          </p:spPr>
+          <p:style>
+            <a:lnRef idx="1">
+              <a:schemeClr val="accent2"/>
+            </a:lnRef>
+            <a:fillRef idx="2">
+              <a:schemeClr val="accent2"/>
+            </a:fillRef>
+            <a:effectRef idx="1">
+              <a:schemeClr val="accent2"/>
+            </a:effectRef>
+            <a:fontRef idx="minor">
+              <a:schemeClr val="dk1"/>
+            </a:fontRef>
+          </p:style>
+        </p:cxnSp>
+      </p:grpSp>
     </p:spTree>
     <p:extLst>
       <p:ext uri="{BB962C8B-B14F-4D97-AF65-F5344CB8AC3E}">
